--- a/fuentes/contenidos/grado08/guion05/MA_08_05_CO_REC330.pptx
+++ b/fuentes/contenidos/grado08/guion05/MA_08_05_CO_REC330.pptx
@@ -450,7 +450,7 @@
           <a:p>
             <a:fld id="{5001C876-01F7-4317-94B9-1AE222133113}" type="datetimeFigureOut">
               <a:rPr lang="es-ES" smtClean="0"/>
-              <a:t>25/11/2015</a:t>
+              <a:t>26/11/2015</a:t>
             </a:fld>
             <a:endParaRPr lang="es-ES"/>
           </a:p>
@@ -1089,8 +1089,8 @@
         </p:nvSpPr>
         <p:spPr>
           <a:xfrm>
-            <a:off x="686602" y="925987"/>
-            <a:ext cx="1382535" cy="525360"/>
+            <a:off x="816654" y="1009807"/>
+            <a:ext cx="1638053" cy="625776"/>
           </a:xfrm>
           <a:prstGeom prst="rect">
             <a:avLst/>
@@ -1190,7 +1190,7 @@
         </p:nvSpPr>
         <p:spPr>
           <a:xfrm>
-            <a:off x="289080" y="1771073"/>
+            <a:off x="289080" y="1931093"/>
             <a:ext cx="1122431" cy="230832"/>
           </a:xfrm>
           <a:prstGeom prst="rect">
@@ -1222,15 +1222,12 @@
       <p:cxnSp>
         <p:nvCxnSpPr>
           <p:cNvPr id="31" name="Conector angular 30"/>
-          <p:cNvCxnSpPr>
-            <a:stCxn id="5" idx="2"/>
-            <a:endCxn id="19" idx="0"/>
-          </p:cNvCxnSpPr>
+          <p:cNvCxnSpPr/>
           <p:nvPr/>
         </p:nvCxnSpPr>
         <p:spPr>
           <a:xfrm rot="5400000">
-            <a:off x="954220" y="1347423"/>
+            <a:off x="954220" y="1537923"/>
             <a:ext cx="319726" cy="527574"/>
           </a:xfrm>
           <a:prstGeom prst="bentConnector3">
@@ -1267,8 +1264,8 @@
         </p:nvSpPr>
         <p:spPr>
           <a:xfrm>
-            <a:off x="699036" y="4954718"/>
-            <a:ext cx="1124746" cy="357473"/>
+            <a:off x="1381081" y="5161466"/>
+            <a:ext cx="1124746" cy="324976"/>
           </a:xfrm>
           <a:prstGeom prst="rect">
             <a:avLst/>
@@ -1327,20 +1324,17 @@
         <p:nvCxnSpPr>
           <p:cNvPr id="45" name="Conector angular 44"/>
           <p:cNvCxnSpPr>
-            <a:stCxn id="19" idx="1"/>
             <a:endCxn id="44" idx="1"/>
           </p:cNvCxnSpPr>
           <p:nvPr/>
         </p:nvCxnSpPr>
         <p:spPr>
-          <a:xfrm rot="10800000" flipH="1" flipV="1">
-            <a:off x="289080" y="1886489"/>
-            <a:ext cx="409956" cy="3246966"/>
-          </a:xfrm>
-          <a:prstGeom prst="bentConnector3">
-            <a:avLst>
-              <a:gd name="adj1" fmla="val -55762"/>
-            </a:avLst>
+          <a:xfrm rot="16200000" flipH="1">
+            <a:off x="-450086" y="3492786"/>
+            <a:ext cx="3131549" cy="530785"/>
+          </a:xfrm>
+          <a:prstGeom prst="bentConnector2">
+            <a:avLst/>
           </a:prstGeom>
           <a:ln w="12700">
             <a:solidFill>
@@ -1367,20 +1361,17 @@
         <p:nvCxnSpPr>
           <p:cNvPr id="68" name="Conector angular 67"/>
           <p:cNvCxnSpPr>
-            <a:stCxn id="19" idx="1"/>
             <a:endCxn id="115" idx="1"/>
           </p:cNvCxnSpPr>
           <p:nvPr/>
         </p:nvCxnSpPr>
         <p:spPr>
-          <a:xfrm rot="10800000" flipH="1" flipV="1">
-            <a:off x="289080" y="1886489"/>
-            <a:ext cx="392374" cy="2348508"/>
-          </a:xfrm>
-          <a:prstGeom prst="bentConnector3">
-            <a:avLst>
-              <a:gd name="adj1" fmla="val -58261"/>
-            </a:avLst>
+          <a:xfrm rot="16200000" flipH="1">
+            <a:off x="-9648" y="3052348"/>
+            <a:ext cx="2233091" cy="513203"/>
+          </a:xfrm>
+          <a:prstGeom prst="bentConnector2">
+            <a:avLst/>
           </a:prstGeom>
           <a:ln w="12700">
             <a:solidFill>
@@ -1457,13 +1448,13 @@
           <p:nvPr/>
         </p:nvCxnSpPr>
         <p:spPr>
-          <a:xfrm rot="5400000">
-            <a:off x="1368239" y="916355"/>
-            <a:ext cx="19264" cy="1"/>
+          <a:xfrm rot="16200000" flipH="1">
+            <a:off x="1455234" y="829360"/>
+            <a:ext cx="103084" cy="257810"/>
           </a:xfrm>
           <a:prstGeom prst="bentConnector3">
             <a:avLst>
-              <a:gd name="adj1" fmla="val 50000"/>
+              <a:gd name="adj1" fmla="val 101744"/>
             </a:avLst>
           </a:prstGeom>
           <a:ln w="12700">
@@ -1565,7 +1556,9 @@
             <a:ext cx="199481" cy="719240"/>
           </a:xfrm>
           <a:prstGeom prst="bentConnector3">
-            <a:avLst/>
+            <a:avLst>
+              <a:gd name="adj1" fmla="val 62733"/>
+            </a:avLst>
           </a:prstGeom>
           <a:ln w="12700">
             <a:solidFill>
@@ -1673,8 +1666,8 @@
         </p:nvSpPr>
         <p:spPr>
           <a:xfrm>
-            <a:off x="3297096" y="2125416"/>
-            <a:ext cx="1124746" cy="357473"/>
+            <a:off x="3250919" y="2113032"/>
+            <a:ext cx="1202591" cy="387290"/>
           </a:xfrm>
           <a:prstGeom prst="rect">
             <a:avLst/>
@@ -1739,13 +1732,13 @@
           <p:nvPr/>
         </p:nvCxnSpPr>
         <p:spPr>
-          <a:xfrm rot="16200000" flipH="1">
-            <a:off x="3786343" y="2052290"/>
-            <a:ext cx="143008" cy="3243"/>
+          <a:xfrm rot="5400000">
+            <a:off x="3788909" y="2045715"/>
+            <a:ext cx="130624" cy="4011"/>
           </a:xfrm>
           <a:prstGeom prst="bentConnector3">
             <a:avLst>
-              <a:gd name="adj1" fmla="val 50000"/>
+              <a:gd name="adj1" fmla="val 102502"/>
             </a:avLst>
           </a:prstGeom>
           <a:ln w="12700">
@@ -1822,7 +1815,7 @@
           </a:xfrm>
           <a:prstGeom prst="bentConnector3">
             <a:avLst>
-              <a:gd name="adj1" fmla="val 50000"/>
+              <a:gd name="adj1" fmla="val 43843"/>
             </a:avLst>
           </a:prstGeom>
           <a:ln w="12700">
@@ -1854,8 +1847,8 @@
         </p:nvSpPr>
         <p:spPr>
           <a:xfrm>
-            <a:off x="7443172" y="2844083"/>
-            <a:ext cx="1290048" cy="439782"/>
+            <a:off x="7443172" y="2798307"/>
+            <a:ext cx="1290048" cy="500454"/>
           </a:xfrm>
           <a:prstGeom prst="rect">
             <a:avLst/>
@@ -1995,12 +1988,12 @@
         </p:nvCxnSpPr>
         <p:spPr>
           <a:xfrm rot="10800000" flipV="1">
-            <a:off x="7267518" y="3063974"/>
-            <a:ext cx="175655" cy="29982"/>
+            <a:off x="7267518" y="3048534"/>
+            <a:ext cx="175655" cy="45422"/>
           </a:xfrm>
           <a:prstGeom prst="bentConnector3">
             <a:avLst>
-              <a:gd name="adj1" fmla="val 50000"/>
+              <a:gd name="adj1" fmla="val -610"/>
             </a:avLst>
           </a:prstGeom>
           <a:ln w="12700">
@@ -2032,8 +2025,8 @@
         </p:nvSpPr>
         <p:spPr>
           <a:xfrm>
-            <a:off x="4752580" y="2798307"/>
-            <a:ext cx="1209737" cy="500454"/>
+            <a:off x="4636774" y="2798307"/>
+            <a:ext cx="1340706" cy="500454"/>
           </a:xfrm>
           <a:prstGeom prst="rect">
             <a:avLst/>
@@ -2109,12 +2102,12 @@
         </p:nvCxnSpPr>
         <p:spPr>
           <a:xfrm rot="10800000">
-            <a:off x="5962318" y="3048534"/>
-            <a:ext cx="182769" cy="45422"/>
+            <a:off x="5977480" y="3048534"/>
+            <a:ext cx="167606" cy="45422"/>
           </a:xfrm>
           <a:prstGeom prst="bentConnector3">
             <a:avLst>
-              <a:gd name="adj1" fmla="val 50000"/>
+              <a:gd name="adj1" fmla="val 100010"/>
             </a:avLst>
           </a:prstGeom>
           <a:ln w="12700">
@@ -2147,14 +2140,12 @@
           <p:nvPr/>
         </p:nvCxnSpPr>
         <p:spPr>
-          <a:xfrm rot="5400000">
-            <a:off x="5335742" y="3277098"/>
-            <a:ext cx="44" cy="43371"/>
-          </a:xfrm>
-          <a:prstGeom prst="bentConnector3">
-            <a:avLst>
-              <a:gd name="adj1" fmla="val 50000"/>
-            </a:avLst>
+          <a:xfrm rot="16200000" flipH="1">
+            <a:off x="5310665" y="3295223"/>
+            <a:ext cx="46" cy="7122"/>
+          </a:xfrm>
+          <a:prstGeom prst="bentConnector2">
+            <a:avLst/>
           </a:prstGeom>
           <a:ln w="12700">
             <a:solidFill>
@@ -2226,11 +2217,11 @@
         <p:spPr>
           <a:xfrm>
             <a:off x="8568211" y="791306"/>
-            <a:ext cx="165009" cy="2272668"/>
+            <a:ext cx="165009" cy="2257228"/>
           </a:xfrm>
           <a:prstGeom prst="bentConnector3">
             <a:avLst>
-              <a:gd name="adj1" fmla="val 238538"/>
+              <a:gd name="adj1" fmla="val 247623"/>
             </a:avLst>
           </a:prstGeom>
           <a:ln w="12700">
@@ -2262,8 +2253,8 @@
         </p:nvSpPr>
         <p:spPr>
           <a:xfrm>
-            <a:off x="681454" y="4056260"/>
-            <a:ext cx="1124746" cy="357473"/>
+            <a:off x="1363499" y="4263008"/>
+            <a:ext cx="1124746" cy="324976"/>
           </a:xfrm>
           <a:prstGeom prst="rect">
             <a:avLst/>
@@ -2326,8 +2317,8 @@
         </p:nvSpPr>
         <p:spPr>
           <a:xfrm>
-            <a:off x="689414" y="4509373"/>
-            <a:ext cx="1124746" cy="357473"/>
+            <a:off x="1371459" y="4716121"/>
+            <a:ext cx="1124746" cy="324976"/>
           </a:xfrm>
           <a:prstGeom prst="rect">
             <a:avLst/>
@@ -2386,20 +2377,17 @@
         <p:nvCxnSpPr>
           <p:cNvPr id="120" name="Conector angular 119"/>
           <p:cNvCxnSpPr>
-            <a:stCxn id="19" idx="1"/>
             <a:endCxn id="116" idx="1"/>
           </p:cNvCxnSpPr>
           <p:nvPr/>
         </p:nvCxnSpPr>
         <p:spPr>
-          <a:xfrm rot="10800000" flipH="1" flipV="1">
-            <a:off x="289080" y="1886488"/>
-            <a:ext cx="400334" cy="2801621"/>
-          </a:xfrm>
-          <a:prstGeom prst="bentConnector3">
-            <a:avLst>
-              <a:gd name="adj1" fmla="val -57102"/>
-            </a:avLst>
+          <a:xfrm rot="16200000" flipH="1">
+            <a:off x="-232225" y="3274925"/>
+            <a:ext cx="2686204" cy="521163"/>
+          </a:xfrm>
+          <a:prstGeom prst="bentConnector2">
+            <a:avLst/>
           </a:prstGeom>
           <a:ln w="12700">
             <a:solidFill>
@@ -2430,7 +2418,7 @@
         </p:nvSpPr>
         <p:spPr>
           <a:xfrm>
-            <a:off x="1893493" y="1793792"/>
+            <a:off x="1893493" y="1984292"/>
             <a:ext cx="1122431" cy="230832"/>
           </a:xfrm>
           <a:prstGeom prst="rect">
@@ -2467,8 +2455,8 @@
         </p:nvSpPr>
         <p:spPr>
           <a:xfrm>
-            <a:off x="1022466" y="2838184"/>
-            <a:ext cx="1124746" cy="357473"/>
+            <a:off x="1245447" y="2991137"/>
+            <a:ext cx="865638" cy="357473"/>
           </a:xfrm>
           <a:prstGeom prst="rect">
             <a:avLst/>
@@ -2531,8 +2519,8 @@
         </p:nvSpPr>
         <p:spPr>
           <a:xfrm>
-            <a:off x="2359084" y="2785052"/>
-            <a:ext cx="1124746" cy="357473"/>
+            <a:off x="2359084" y="2975552"/>
+            <a:ext cx="897699" cy="357473"/>
           </a:xfrm>
           <a:prstGeom prst="rect">
             <a:avLst/>
@@ -2595,8 +2583,8 @@
         </p:nvSpPr>
         <p:spPr>
           <a:xfrm>
-            <a:off x="7464858" y="3504815"/>
-            <a:ext cx="1290048" cy="439782"/>
+            <a:off x="7464858" y="3503718"/>
+            <a:ext cx="1290048" cy="615285"/>
           </a:xfrm>
           <a:prstGeom prst="rect">
             <a:avLst/>
@@ -2658,8 +2646,8 @@
         </p:nvSpPr>
         <p:spPr>
           <a:xfrm>
-            <a:off x="6112839" y="3578372"/>
-            <a:ext cx="1122431" cy="230832"/>
+            <a:off x="6145086" y="3578372"/>
+            <a:ext cx="1120130" cy="230832"/>
           </a:xfrm>
           <a:prstGeom prst="rect">
             <a:avLst/>
@@ -2698,12 +2686,12 @@
         </p:nvCxnSpPr>
         <p:spPr>
           <a:xfrm rot="10800000">
-            <a:off x="7235270" y="3693788"/>
-            <a:ext cx="229588" cy="30918"/>
+            <a:off x="7265216" y="3693789"/>
+            <a:ext cx="199642" cy="117573"/>
           </a:xfrm>
           <a:prstGeom prst="bentConnector3">
             <a:avLst>
-              <a:gd name="adj1" fmla="val 50000"/>
+              <a:gd name="adj1" fmla="val -573"/>
             </a:avLst>
           </a:prstGeom>
           <a:ln w="12700">
@@ -2812,12 +2800,12 @@
         </p:nvCxnSpPr>
         <p:spPr>
           <a:xfrm rot="10800000" flipV="1">
-            <a:off x="5977483" y="3693787"/>
-            <a:ext cx="135357" cy="118121"/>
+            <a:off x="5977482" y="3693787"/>
+            <a:ext cx="167604" cy="118121"/>
           </a:xfrm>
           <a:prstGeom prst="bentConnector3">
             <a:avLst>
-              <a:gd name="adj1" fmla="val 50000"/>
+              <a:gd name="adj1" fmla="val 98874"/>
             </a:avLst>
           </a:prstGeom>
           <a:ln w="12700">
@@ -2849,8 +2837,8 @@
         </p:nvSpPr>
         <p:spPr>
           <a:xfrm>
-            <a:off x="7505012" y="4234997"/>
-            <a:ext cx="1290048" cy="439782"/>
+            <a:off x="7464858" y="4295077"/>
+            <a:ext cx="1290048" cy="500454"/>
           </a:xfrm>
           <a:prstGeom prst="rect">
             <a:avLst/>
@@ -2912,8 +2900,8 @@
         </p:nvSpPr>
         <p:spPr>
           <a:xfrm>
-            <a:off x="6227633" y="4324538"/>
-            <a:ext cx="1122431" cy="230832"/>
+            <a:off x="6145087" y="4324538"/>
+            <a:ext cx="1120128" cy="230832"/>
           </a:xfrm>
           <a:prstGeom prst="rect">
             <a:avLst/>
@@ -2952,12 +2940,12 @@
         </p:nvCxnSpPr>
         <p:spPr>
           <a:xfrm rot="10800000">
-            <a:off x="7350064" y="4439954"/>
-            <a:ext cx="154948" cy="14934"/>
+            <a:off x="7265216" y="4439954"/>
+            <a:ext cx="199643" cy="105350"/>
           </a:xfrm>
           <a:prstGeom prst="bentConnector3">
             <a:avLst>
-              <a:gd name="adj1" fmla="val 50000"/>
+              <a:gd name="adj1" fmla="val -573"/>
             </a:avLst>
           </a:prstGeom>
           <a:ln w="12700">
@@ -2989,8 +2977,8 @@
         </p:nvSpPr>
         <p:spPr>
           <a:xfrm>
-            <a:off x="4710503" y="4295077"/>
-            <a:ext cx="1209737" cy="500454"/>
+            <a:off x="4636774" y="4295077"/>
+            <a:ext cx="1340707" cy="500454"/>
           </a:xfrm>
           <a:prstGeom prst="rect">
             <a:avLst/>
@@ -3066,12 +3054,12 @@
         </p:nvCxnSpPr>
         <p:spPr>
           <a:xfrm rot="10800000" flipV="1">
-            <a:off x="5920241" y="4439954"/>
-            <a:ext cx="307393" cy="105350"/>
+            <a:off x="5977481" y="4439954"/>
+            <a:ext cx="167606" cy="105350"/>
           </a:xfrm>
           <a:prstGeom prst="bentConnector3">
             <a:avLst>
-              <a:gd name="adj1" fmla="val 50000"/>
+              <a:gd name="adj1" fmla="val 100010"/>
             </a:avLst>
           </a:prstGeom>
           <a:ln w="12700">
@@ -3105,13 +3093,11 @@
         </p:nvCxnSpPr>
         <p:spPr>
           <a:xfrm rot="5400000">
-            <a:off x="5293665" y="4773868"/>
-            <a:ext cx="44" cy="43371"/>
-          </a:xfrm>
-          <a:prstGeom prst="bentConnector3">
-            <a:avLst>
-              <a:gd name="adj1" fmla="val 50000"/>
-            </a:avLst>
+            <a:off x="5296193" y="4784644"/>
+            <a:ext cx="48" cy="21823"/>
+          </a:xfrm>
+          <a:prstGeom prst="bentConnector2">
+            <a:avLst/>
           </a:prstGeom>
           <a:ln w="12700">
             <a:solidFill>
@@ -3142,8 +3128,8 @@
         </p:nvSpPr>
         <p:spPr>
           <a:xfrm>
-            <a:off x="981255" y="3404583"/>
-            <a:ext cx="1122431" cy="343441"/>
+            <a:off x="1245446" y="3595083"/>
+            <a:ext cx="865639" cy="343441"/>
           </a:xfrm>
           <a:prstGeom prst="rect">
             <a:avLst/>
@@ -3206,8 +3192,8 @@
         </p:nvSpPr>
         <p:spPr>
           <a:xfrm>
-            <a:off x="2321684" y="3409030"/>
-            <a:ext cx="1122431" cy="343441"/>
+            <a:off x="2359084" y="3599530"/>
+            <a:ext cx="897699" cy="343441"/>
           </a:xfrm>
           <a:prstGeom prst="rect">
             <a:avLst/>
@@ -3270,7 +3256,7 @@
         </p:nvSpPr>
         <p:spPr>
           <a:xfrm>
-            <a:off x="4745227" y="1175427"/>
+            <a:off x="4677772" y="1175427"/>
             <a:ext cx="1196727" cy="405944"/>
           </a:xfrm>
           <a:prstGeom prst="rect">
@@ -3373,12 +3359,12 @@
         </p:nvCxnSpPr>
         <p:spPr>
           <a:xfrm rot="16200000" flipH="1">
-            <a:off x="5284423" y="1640538"/>
-            <a:ext cx="119419" cy="1083"/>
+            <a:off x="5250696" y="1606811"/>
+            <a:ext cx="119419" cy="68538"/>
           </a:xfrm>
           <a:prstGeom prst="bentConnector3">
             <a:avLst>
-              <a:gd name="adj1" fmla="val 50000"/>
+              <a:gd name="adj1" fmla="val -1048"/>
             </a:avLst>
           </a:prstGeom>
           <a:ln w="12700">
@@ -3410,8 +3396,8 @@
         </p:nvSpPr>
         <p:spPr>
           <a:xfrm>
-            <a:off x="4779952" y="2114564"/>
-            <a:ext cx="1124746" cy="357473"/>
+            <a:off x="4677772" y="2114564"/>
+            <a:ext cx="1196728" cy="385757"/>
           </a:xfrm>
           <a:prstGeom prst="rect">
             <a:avLst/>
@@ -3477,12 +3463,12 @@
         </p:nvCxnSpPr>
         <p:spPr>
           <a:xfrm rot="5400000">
-            <a:off x="5252029" y="2021919"/>
-            <a:ext cx="182942" cy="2349"/>
+            <a:off x="5218934" y="1988824"/>
+            <a:ext cx="182942" cy="68538"/>
           </a:xfrm>
           <a:prstGeom prst="bentConnector3">
             <a:avLst>
-              <a:gd name="adj1" fmla="val 50000"/>
+              <a:gd name="adj1" fmla="val 99983"/>
             </a:avLst>
           </a:prstGeom>
           <a:ln w="12700">
@@ -3514,7 +3500,7 @@
         </p:nvSpPr>
         <p:spPr>
           <a:xfrm>
-            <a:off x="6054916" y="1145820"/>
+            <a:off x="6054916" y="1168305"/>
             <a:ext cx="1196727" cy="405944"/>
           </a:xfrm>
           <a:prstGeom prst="rect">
@@ -3617,8 +3603,8 @@
         </p:nvCxnSpPr>
         <p:spPr>
           <a:xfrm rot="16200000" flipH="1">
-            <a:off x="6580677" y="1624366"/>
-            <a:ext cx="146147" cy="941"/>
+            <a:off x="6591919" y="1635609"/>
+            <a:ext cx="123662" cy="941"/>
           </a:xfrm>
           <a:prstGeom prst="bentConnector3">
             <a:avLst>
@@ -3654,8 +3640,8 @@
         </p:nvSpPr>
         <p:spPr>
           <a:xfrm>
-            <a:off x="6102339" y="2142848"/>
-            <a:ext cx="1124746" cy="357473"/>
+            <a:off x="6054916" y="2114564"/>
+            <a:ext cx="1196727" cy="385757"/>
           </a:xfrm>
           <a:prstGeom prst="rect">
             <a:avLst/>
@@ -3720,9 +3706,9 @@
           <p:nvPr/>
         </p:nvCxnSpPr>
         <p:spPr>
-          <a:xfrm rot="16200000" flipH="1">
-            <a:off x="6552414" y="2030549"/>
-            <a:ext cx="214105" cy="10491"/>
+          <a:xfrm rot="5400000">
+            <a:off x="6560841" y="2021183"/>
+            <a:ext cx="185821" cy="941"/>
           </a:xfrm>
           <a:prstGeom prst="bentConnector3">
             <a:avLst>
@@ -3761,12 +3747,12 @@
         </p:nvCxnSpPr>
         <p:spPr>
           <a:xfrm rot="5400000">
-            <a:off x="5250225" y="954815"/>
-            <a:ext cx="313978" cy="127246"/>
+            <a:off x="5216498" y="921088"/>
+            <a:ext cx="313978" cy="194701"/>
           </a:xfrm>
           <a:prstGeom prst="bentConnector3">
             <a:avLst>
-              <a:gd name="adj1" fmla="val 50000"/>
+              <a:gd name="adj1" fmla="val 46359"/>
             </a:avLst>
           </a:prstGeom>
           <a:ln w="12700">
@@ -3801,12 +3787,12 @@
         </p:nvCxnSpPr>
         <p:spPr>
           <a:xfrm rot="16200000" flipH="1">
-            <a:off x="5919873" y="412412"/>
-            <a:ext cx="284371" cy="1182443"/>
+            <a:off x="5908630" y="423655"/>
+            <a:ext cx="306856" cy="1182443"/>
           </a:xfrm>
           <a:prstGeom prst="bentConnector3">
             <a:avLst>
-              <a:gd name="adj1" fmla="val 50000"/>
+              <a:gd name="adj1" fmla="val 47516"/>
             </a:avLst>
           </a:prstGeom>
           <a:ln w="12700">
@@ -3835,18 +3821,17 @@
           <p:cNvPr id="190" name="Conector angular 189"/>
           <p:cNvCxnSpPr>
             <a:stCxn id="127" idx="0"/>
-            <a:endCxn id="5" idx="2"/>
           </p:cNvCxnSpPr>
           <p:nvPr/>
         </p:nvCxnSpPr>
         <p:spPr>
           <a:xfrm rot="16200000" flipV="1">
-            <a:off x="1745068" y="1084150"/>
+            <a:off x="1745068" y="1274650"/>
             <a:ext cx="342445" cy="1076839"/>
           </a:xfrm>
           <a:prstGeom prst="bentConnector3">
             <a:avLst>
-              <a:gd name="adj1" fmla="val 50000"/>
+              <a:gd name="adj1" fmla="val 53338"/>
             </a:avLst>
           </a:prstGeom>
           <a:ln w="12700">
@@ -3881,8 +3866,8 @@
         </p:nvCxnSpPr>
         <p:spPr>
           <a:xfrm rot="5400000" flipH="1" flipV="1">
-            <a:off x="1612994" y="1996469"/>
-            <a:ext cx="813560" cy="869870"/>
+            <a:off x="1678481" y="2214910"/>
+            <a:ext cx="776013" cy="776443"/>
           </a:xfrm>
           <a:prstGeom prst="bentConnector3">
             <a:avLst>
@@ -3921,12 +3906,12 @@
         </p:nvCxnSpPr>
         <p:spPr>
           <a:xfrm rot="16200000" flipH="1">
-            <a:off x="2307869" y="2171464"/>
-            <a:ext cx="760428" cy="466748"/>
+            <a:off x="2251107" y="2418725"/>
+            <a:ext cx="760428" cy="353225"/>
           </a:xfrm>
           <a:prstGeom prst="bentConnector3">
             <a:avLst>
-              <a:gd name="adj1" fmla="val 50000"/>
+              <a:gd name="adj1" fmla="val 51002"/>
             </a:avLst>
           </a:prstGeom>
           <a:ln w="12700">
@@ -3961,12 +3946,12 @@
         </p:nvCxnSpPr>
         <p:spPr>
           <a:xfrm rot="5400000" flipH="1" flipV="1">
-            <a:off x="1459192" y="3278936"/>
-            <a:ext cx="208926" cy="42368"/>
+            <a:off x="1555030" y="3471847"/>
+            <a:ext cx="246473" cy="12700"/>
           </a:xfrm>
           <a:prstGeom prst="bentConnector3">
             <a:avLst>
-              <a:gd name="adj1" fmla="val 50000"/>
+              <a:gd name="adj1" fmla="val 102558"/>
             </a:avLst>
           </a:prstGeom>
           <a:ln w="12700">
@@ -4001,12 +3986,12 @@
         </p:nvCxnSpPr>
         <p:spPr>
           <a:xfrm rot="5400000" flipH="1" flipV="1">
-            <a:off x="2768926" y="3256500"/>
-            <a:ext cx="266505" cy="38557"/>
+            <a:off x="2674682" y="3466278"/>
+            <a:ext cx="266505" cy="12700"/>
           </a:xfrm>
           <a:prstGeom prst="bentConnector3">
             <a:avLst>
-              <a:gd name="adj1" fmla="val 50000"/>
+              <a:gd name="adj1" fmla="val 101466"/>
             </a:avLst>
           </a:prstGeom>
           <a:ln w="12700">
@@ -4042,7 +4027,7 @@
         <p:spPr>
           <a:xfrm>
             <a:off x="8568211" y="791306"/>
-            <a:ext cx="186695" cy="2933400"/>
+            <a:ext cx="186695" cy="3020055"/>
           </a:xfrm>
           <a:prstGeom prst="bentConnector3">
             <a:avLst>
@@ -4074,19 +4059,19 @@
         <p:nvCxnSpPr>
           <p:cNvPr id="250" name="Conector angular 249"/>
           <p:cNvCxnSpPr>
-            <a:stCxn id="361" idx="3"/>
             <a:endCxn id="145" idx="3"/>
           </p:cNvCxnSpPr>
           <p:nvPr/>
         </p:nvCxnSpPr>
         <p:spPr>
-          <a:xfrm>
-            <a:off x="8568211" y="791306"/>
-            <a:ext cx="226849" cy="3663582"/>
-          </a:xfrm>
-          <a:prstGeom prst="bentConnector3">
+          <a:xfrm rot="16200000" flipH="1">
+            <a:off x="6752039" y="2542437"/>
+            <a:ext cx="3753998" cy="251736"/>
+          </a:xfrm>
+          <a:prstGeom prst="bentConnector4">
             <a:avLst>
-              <a:gd name="adj1" fmla="val 200772"/>
+              <a:gd name="adj1" fmla="val -53"/>
+              <a:gd name="adj2" fmla="val 190809"/>
             </a:avLst>
           </a:prstGeom>
           <a:ln w="12700">

--- a/fuentes/contenidos/grado08/guion05/MA_08_05_CO_REC330.pptx
+++ b/fuentes/contenidos/grado08/guion05/MA_08_05_CO_REC330.pptx
@@ -450,7 +450,7 @@
           <a:p>
             <a:fld id="{5001C876-01F7-4317-94B9-1AE222133113}" type="datetimeFigureOut">
               <a:rPr lang="es-ES" smtClean="0"/>
-              <a:t>26/11/2015</a:t>
+              <a:t>14/12/2015</a:t>
             </a:fld>
             <a:endParaRPr lang="es-ES"/>
           </a:p>
@@ -1033,7 +1033,7 @@
         </p:nvSpPr>
         <p:spPr>
           <a:xfrm>
-            <a:off x="1911731" y="78445"/>
+            <a:off x="1911731" y="296809"/>
             <a:ext cx="5679731" cy="352691"/>
           </a:xfrm>
           <a:prstGeom prst="rect">
@@ -1089,7 +1089,7 @@
         </p:nvSpPr>
         <p:spPr>
           <a:xfrm>
-            <a:off x="816654" y="1009807"/>
+            <a:off x="490874" y="2069527"/>
             <a:ext cx="1638053" cy="625776"/>
           </a:xfrm>
           <a:prstGeom prst="rect">
@@ -1135,7 +1135,7 @@
                 <a:latin typeface="Arial" panose="020B0604020202020204" pitchFamily="34" charset="0"/>
                 <a:cs typeface="Arial" panose="020B0604020202020204" pitchFamily="34" charset="0"/>
               </a:rPr>
-              <a:t>Cociente de dos expresiones algebraicas</a:t>
+              <a:t>El cociente de dos expresiones algebraicas</a:t>
             </a:r>
             <a:endParaRPr lang="es-ES" sz="1200" b="1" dirty="0">
               <a:latin typeface="Arial" panose="020B0604020202020204" pitchFamily="34" charset="0"/>
@@ -1147,231 +1147,18 @@
       <p:cxnSp>
         <p:nvCxnSpPr>
           <p:cNvPr id="12" name="Conector angular 11"/>
-          <p:cNvCxnSpPr>
-            <a:stCxn id="4" idx="2"/>
-            <a:endCxn id="130" idx="0"/>
-          </p:cNvCxnSpPr>
+          <p:cNvCxnSpPr/>
           <p:nvPr/>
         </p:nvCxnSpPr>
         <p:spPr>
           <a:xfrm rot="5400000">
-            <a:off x="2942357" y="-1133350"/>
-            <a:ext cx="244755" cy="3373726"/>
-          </a:xfrm>
-          <a:prstGeom prst="bentConnector3">
-            <a:avLst/>
-          </a:prstGeom>
-          <a:ln w="12700">
-            <a:solidFill>
-              <a:schemeClr val="tx1"/>
-            </a:solidFill>
-          </a:ln>
-        </p:spPr>
-        <p:style>
-          <a:lnRef idx="1">
-            <a:schemeClr val="accent1"/>
-          </a:lnRef>
-          <a:fillRef idx="0">
-            <a:schemeClr val="accent1"/>
-          </a:fillRef>
-          <a:effectRef idx="0">
-            <a:schemeClr val="accent1"/>
-          </a:effectRef>
-          <a:fontRef idx="minor">
-            <a:schemeClr val="tx1"/>
-          </a:fontRef>
-        </p:style>
-      </p:cxnSp>
-      <p:sp>
-        <p:nvSpPr>
-          <p:cNvPr id="19" name="CuadroTexto 18" descr="Conector entre nodos" title="conector"/>
-          <p:cNvSpPr txBox="1"/>
-          <p:nvPr/>
-        </p:nvSpPr>
-        <p:spPr>
-          <a:xfrm>
-            <a:off x="289080" y="1931093"/>
-            <a:ext cx="1122431" cy="230832"/>
-          </a:xfrm>
-          <a:prstGeom prst="rect">
-            <a:avLst/>
-          </a:prstGeom>
-          <a:noFill/>
-        </p:spPr>
-        <p:txBody>
-          <a:bodyPr wrap="square" rtlCol="0">
-            <a:spAutoFit/>
-          </a:bodyPr>
-          <a:lstStyle/>
-          <a:p>
-            <a:pPr algn="ctr"/>
-            <a:r>
-              <a:rPr lang="es-ES" sz="900" dirty="0" smtClean="0">
-                <a:latin typeface="Arial" panose="020B0604020202020204" pitchFamily="34" charset="0"/>
-                <a:cs typeface="Arial" panose="020B0604020202020204" pitchFamily="34" charset="0"/>
-              </a:rPr>
-              <a:t>pueden ser</a:t>
-            </a:r>
-            <a:endParaRPr lang="es-ES" sz="900" dirty="0">
-              <a:latin typeface="Arial" panose="020B0604020202020204" pitchFamily="34" charset="0"/>
-              <a:cs typeface="Arial" panose="020B0604020202020204" pitchFamily="34" charset="0"/>
-            </a:endParaRPr>
-          </a:p>
-        </p:txBody>
-      </p:sp>
-      <p:cxnSp>
-        <p:nvCxnSpPr>
-          <p:cNvPr id="31" name="Conector angular 30"/>
-          <p:cNvCxnSpPr/>
-          <p:nvPr/>
-        </p:nvCxnSpPr>
-        <p:spPr>
-          <a:xfrm rot="5400000">
-            <a:off x="954220" y="1537923"/>
-            <a:ext cx="319726" cy="527574"/>
+            <a:off x="2494533" y="-529456"/>
+            <a:ext cx="1086111" cy="3444128"/>
           </a:xfrm>
           <a:prstGeom prst="bentConnector3">
             <a:avLst>
-              <a:gd name="adj1" fmla="val 50000"/>
+              <a:gd name="adj1" fmla="val 24521"/>
             </a:avLst>
-          </a:prstGeom>
-          <a:ln w="12700">
-            <a:solidFill>
-              <a:schemeClr val="tx1"/>
-            </a:solidFill>
-          </a:ln>
-        </p:spPr>
-        <p:style>
-          <a:lnRef idx="1">
-            <a:schemeClr val="accent1"/>
-          </a:lnRef>
-          <a:fillRef idx="0">
-            <a:schemeClr val="accent1"/>
-          </a:fillRef>
-          <a:effectRef idx="0">
-            <a:schemeClr val="accent1"/>
-          </a:effectRef>
-          <a:fontRef idx="minor">
-            <a:schemeClr val="tx1"/>
-          </a:fontRef>
-        </p:style>
-      </p:cxnSp>
-      <p:sp>
-        <p:nvSpPr>
-          <p:cNvPr id="44" name="Rectángulo 43" descr="Nodo de segundo nivel" title="Nodo02"/>
-          <p:cNvSpPr/>
-          <p:nvPr/>
-        </p:nvSpPr>
-        <p:spPr>
-          <a:xfrm>
-            <a:off x="1381081" y="5161466"/>
-            <a:ext cx="1124746" cy="324976"/>
-          </a:xfrm>
-          <a:prstGeom prst="rect">
-            <a:avLst/>
-          </a:prstGeom>
-          <a:solidFill>
-            <a:schemeClr val="bg2">
-              <a:lumMod val="50000"/>
-            </a:schemeClr>
-          </a:solidFill>
-          <a:ln>
-            <a:solidFill>
-              <a:schemeClr val="tx1"/>
-            </a:solidFill>
-          </a:ln>
-        </p:spPr>
-        <p:style>
-          <a:lnRef idx="2">
-            <a:schemeClr val="accent6"/>
-          </a:lnRef>
-          <a:fillRef idx="1">
-            <a:schemeClr val="lt1"/>
-          </a:fillRef>
-          <a:effectRef idx="0">
-            <a:schemeClr val="accent6"/>
-          </a:effectRef>
-          <a:fontRef idx="minor">
-            <a:schemeClr val="dk1"/>
-          </a:fontRef>
-        </p:style>
-        <p:txBody>
-          <a:bodyPr rtlCol="0" anchor="ctr"/>
-          <a:lstStyle/>
-          <a:p>
-            <a:pPr algn="ctr"/>
-            <a:r>
-              <a:rPr lang="es-ES" sz="1050" dirty="0" smtClean="0">
-                <a:solidFill>
-                  <a:schemeClr val="bg1"/>
-                </a:solidFill>
-                <a:latin typeface="Arial" panose="020B0604020202020204" pitchFamily="34" charset="0"/>
-                <a:cs typeface="Arial" panose="020B0604020202020204" pitchFamily="34" charset="0"/>
-              </a:rPr>
-              <a:t>polinomios</a:t>
-            </a:r>
-            <a:endParaRPr lang="es-ES" sz="1050" dirty="0">
-              <a:solidFill>
-                <a:schemeClr val="bg1"/>
-              </a:solidFill>
-              <a:latin typeface="Arial" panose="020B0604020202020204" pitchFamily="34" charset="0"/>
-              <a:cs typeface="Arial" panose="020B0604020202020204" pitchFamily="34" charset="0"/>
-            </a:endParaRPr>
-          </a:p>
-        </p:txBody>
-      </p:sp>
-      <p:cxnSp>
-        <p:nvCxnSpPr>
-          <p:cNvPr id="45" name="Conector angular 44"/>
-          <p:cNvCxnSpPr>
-            <a:endCxn id="44" idx="1"/>
-          </p:cNvCxnSpPr>
-          <p:nvPr/>
-        </p:nvCxnSpPr>
-        <p:spPr>
-          <a:xfrm rot="16200000" flipH="1">
-            <a:off x="-450086" y="3492786"/>
-            <a:ext cx="3131549" cy="530785"/>
-          </a:xfrm>
-          <a:prstGeom prst="bentConnector2">
-            <a:avLst/>
-          </a:prstGeom>
-          <a:ln w="12700">
-            <a:solidFill>
-              <a:schemeClr val="tx1"/>
-            </a:solidFill>
-          </a:ln>
-        </p:spPr>
-        <p:style>
-          <a:lnRef idx="1">
-            <a:schemeClr val="accent1"/>
-          </a:lnRef>
-          <a:fillRef idx="0">
-            <a:schemeClr val="accent1"/>
-          </a:fillRef>
-          <a:effectRef idx="0">
-            <a:schemeClr val="accent1"/>
-          </a:effectRef>
-          <a:fontRef idx="minor">
-            <a:schemeClr val="tx1"/>
-          </a:fontRef>
-        </p:style>
-      </p:cxnSp>
-      <p:cxnSp>
-        <p:nvCxnSpPr>
-          <p:cNvPr id="68" name="Conector angular 67"/>
-          <p:cNvCxnSpPr>
-            <a:endCxn id="115" idx="1"/>
-          </p:cNvCxnSpPr>
-          <p:nvPr/>
-        </p:nvCxnSpPr>
-        <p:spPr>
-          <a:xfrm rot="16200000" flipH="1">
-            <a:off x="-9648" y="3052348"/>
-            <a:ext cx="2233091" cy="513203"/>
-          </a:xfrm>
-          <a:prstGeom prst="bentConnector2">
-            <a:avLst/>
           </a:prstGeom>
           <a:ln w="12700">
             <a:solidFill>
@@ -1402,7 +1189,7 @@
         </p:nvSpPr>
         <p:spPr>
           <a:xfrm>
-            <a:off x="816655" y="675891"/>
+            <a:off x="746253" y="1735611"/>
             <a:ext cx="1122431" cy="230832"/>
           </a:xfrm>
           <a:prstGeom prst="rect">
@@ -1449,12 +1236,12 @@
         </p:nvCxnSpPr>
         <p:spPr>
           <a:xfrm rot="16200000" flipH="1">
-            <a:off x="1455234" y="829360"/>
-            <a:ext cx="103084" cy="257810"/>
+            <a:off x="1257143" y="2016769"/>
+            <a:ext cx="103084" cy="2432"/>
           </a:xfrm>
           <a:prstGeom prst="bentConnector3">
             <a:avLst>
-              <a:gd name="adj1" fmla="val 101744"/>
+              <a:gd name="adj1" fmla="val 50000"/>
             </a:avLst>
           </a:prstGeom>
           <a:ln w="12700">
@@ -1486,7 +1273,7 @@
         </p:nvSpPr>
         <p:spPr>
           <a:xfrm>
-            <a:off x="3256783" y="1191489"/>
+            <a:off x="2634614" y="1833038"/>
             <a:ext cx="1196727" cy="405944"/>
           </a:xfrm>
           <a:prstGeom prst="rect">
@@ -1541,46 +1328,6 @@
           </a:p>
         </p:txBody>
       </p:sp>
-      <p:cxnSp>
-        <p:nvCxnSpPr>
-          <p:cNvPr id="217" name="Conector angular 216"/>
-          <p:cNvCxnSpPr>
-            <a:stCxn id="4" idx="2"/>
-            <a:endCxn id="274" idx="0"/>
-          </p:cNvCxnSpPr>
-          <p:nvPr/>
-        </p:nvCxnSpPr>
-        <p:spPr>
-          <a:xfrm rot="16200000" flipH="1">
-            <a:off x="5011477" y="171256"/>
-            <a:ext cx="199481" cy="719240"/>
-          </a:xfrm>
-          <a:prstGeom prst="bentConnector3">
-            <a:avLst>
-              <a:gd name="adj1" fmla="val 62733"/>
-            </a:avLst>
-          </a:prstGeom>
-          <a:ln w="12700">
-            <a:solidFill>
-              <a:schemeClr val="tx1"/>
-            </a:solidFill>
-          </a:ln>
-        </p:spPr>
-        <p:style>
-          <a:lnRef idx="1">
-            <a:schemeClr val="accent1"/>
-          </a:lnRef>
-          <a:fillRef idx="0">
-            <a:schemeClr val="accent1"/>
-          </a:fillRef>
-          <a:effectRef idx="0">
-            <a:schemeClr val="accent1"/>
-          </a:effectRef>
-          <a:fontRef idx="minor">
-            <a:schemeClr val="tx1"/>
-          </a:fontRef>
-        </p:style>
-      </p:cxnSp>
       <p:sp>
         <p:nvSpPr>
           <p:cNvPr id="218" name="CuadroTexto 217" descr="Conector entre nodos" title="conector"/>
@@ -1589,7 +1336,7 @@
         </p:nvSpPr>
         <p:spPr>
           <a:xfrm>
-            <a:off x="3295010" y="1751576"/>
+            <a:off x="2672841" y="2393125"/>
             <a:ext cx="1122431" cy="230832"/>
           </a:xfrm>
           <a:prstGeom prst="rect">
@@ -1621,20 +1368,17 @@
       <p:cxnSp>
         <p:nvCxnSpPr>
           <p:cNvPr id="219" name="Conector angular 218"/>
-          <p:cNvCxnSpPr>
-            <a:stCxn id="216" idx="2"/>
-            <a:endCxn id="218" idx="0"/>
-          </p:cNvCxnSpPr>
+          <p:cNvCxnSpPr/>
           <p:nvPr/>
         </p:nvCxnSpPr>
         <p:spPr>
           <a:xfrm rot="16200000" flipH="1">
-            <a:off x="3778615" y="1673964"/>
+            <a:off x="1987713" y="4560481"/>
             <a:ext cx="154143" cy="1079"/>
           </a:xfrm>
           <a:prstGeom prst="bentConnector3">
             <a:avLst>
-              <a:gd name="adj1" fmla="val 50000"/>
+              <a:gd name="adj1" fmla="val 142967"/>
             </a:avLst>
           </a:prstGeom>
           <a:ln w="12700">
@@ -1666,8 +1410,8 @@
         </p:nvSpPr>
         <p:spPr>
           <a:xfrm>
-            <a:off x="3250919" y="2113032"/>
-            <a:ext cx="1202591" cy="387290"/>
+            <a:off x="2634614" y="2821154"/>
+            <a:ext cx="1202591" cy="561929"/>
           </a:xfrm>
           <a:prstGeom prst="rect">
             <a:avLst/>
@@ -1710,7 +1454,7 @@
                 <a:latin typeface="Arial" panose="020B0604020202020204" pitchFamily="34" charset="0"/>
                 <a:cs typeface="Arial" panose="020B0604020202020204" pitchFamily="34" charset="0"/>
               </a:rPr>
-              <a:t>igual denominador</a:t>
+              <a:t>los denominadores iguales</a:t>
             </a:r>
             <a:endParaRPr lang="es-ES" sz="1050" dirty="0">
               <a:solidFill>
@@ -1732,13 +1476,13 @@
           <p:nvPr/>
         </p:nvCxnSpPr>
         <p:spPr>
-          <a:xfrm rot="5400000">
-            <a:off x="3788909" y="2045715"/>
-            <a:ext cx="130624" cy="4011"/>
+          <a:xfrm rot="16200000" flipH="1">
+            <a:off x="3136385" y="2721628"/>
+            <a:ext cx="197197" cy="1853"/>
           </a:xfrm>
           <a:prstGeom prst="bentConnector3">
             <a:avLst>
-              <a:gd name="adj1" fmla="val 102502"/>
+              <a:gd name="adj1" fmla="val 50000"/>
             </a:avLst>
           </a:prstGeom>
           <a:ln w="12700">
@@ -1770,7 +1514,7 @@
         </p:nvSpPr>
         <p:spPr>
           <a:xfrm>
-            <a:off x="4909621" y="630617"/>
+            <a:off x="4198437" y="1233853"/>
             <a:ext cx="1122431" cy="230832"/>
           </a:xfrm>
           <a:prstGeom prst="rect">
@@ -1802,15 +1546,12 @@
       <p:cxnSp>
         <p:nvCxnSpPr>
           <p:cNvPr id="275" name="Conector angular 274"/>
-          <p:cNvCxnSpPr>
-            <a:stCxn id="274" idx="2"/>
-            <a:endCxn id="216" idx="0"/>
-          </p:cNvCxnSpPr>
+          <p:cNvCxnSpPr/>
           <p:nvPr/>
         </p:nvCxnSpPr>
         <p:spPr>
           <a:xfrm rot="5400000">
-            <a:off x="4497972" y="218624"/>
+            <a:off x="3773589" y="851426"/>
             <a:ext cx="330040" cy="1615690"/>
           </a:xfrm>
           <a:prstGeom prst="bentConnector3">
@@ -1839,85 +1580,21 @@
           </a:fontRef>
         </p:style>
       </p:cxnSp>
-      <p:sp>
-        <p:nvSpPr>
-          <p:cNvPr id="335" name="Rectángulo 334" descr="Nodo de primer nivel" title="Nodo01"/>
-          <p:cNvSpPr/>
-          <p:nvPr/>
-        </p:nvSpPr>
-        <p:spPr>
-          <a:xfrm>
-            <a:off x="7443172" y="2798307"/>
-            <a:ext cx="1290048" cy="500454"/>
-          </a:xfrm>
-          <a:prstGeom prst="rect">
-            <a:avLst/>
-          </a:prstGeom>
-          <a:solidFill>
-            <a:schemeClr val="bg1"/>
-          </a:solidFill>
-          <a:ln>
-            <a:solidFill>
-              <a:schemeClr val="tx1"/>
-            </a:solidFill>
-          </a:ln>
-          <a:effectLst>
-            <a:outerShdw blurRad="50800" dist="38100" dir="2700000" algn="tl" rotWithShape="0">
-              <a:prstClr val="black">
-                <a:alpha val="40000"/>
-              </a:prstClr>
-            </a:outerShdw>
-          </a:effectLst>
-        </p:spPr>
-        <p:style>
-          <a:lnRef idx="2">
-            <a:schemeClr val="accent6"/>
-          </a:lnRef>
-          <a:fillRef idx="1">
-            <a:schemeClr val="lt1"/>
-          </a:fillRef>
-          <a:effectRef idx="0">
-            <a:schemeClr val="accent6"/>
-          </a:effectRef>
-          <a:fontRef idx="minor">
-            <a:schemeClr val="dk1"/>
-          </a:fontRef>
-        </p:style>
-        <p:txBody>
-          <a:bodyPr rtlCol="0" anchor="ctr"/>
-          <a:lstStyle/>
-          <a:p>
-            <a:pPr algn="ctr"/>
-            <a:r>
-              <a:rPr lang="es-ES" sz="1200" b="1" dirty="0" smtClean="0">
-                <a:latin typeface="Arial" panose="020B0604020202020204" pitchFamily="34" charset="0"/>
-                <a:cs typeface="Arial" panose="020B0604020202020204" pitchFamily="34" charset="0"/>
-              </a:rPr>
-              <a:t>Multiplicación</a:t>
-            </a:r>
-            <a:endParaRPr lang="es-ES" sz="1200" b="1" dirty="0">
-              <a:latin typeface="Arial" panose="020B0604020202020204" pitchFamily="34" charset="0"/>
-              <a:cs typeface="Arial" panose="020B0604020202020204" pitchFamily="34" charset="0"/>
-            </a:endParaRPr>
-          </a:p>
-        </p:txBody>
-      </p:sp>
       <p:cxnSp>
         <p:nvCxnSpPr>
           <p:cNvPr id="336" name="Conector angular 335"/>
-          <p:cNvCxnSpPr>
-            <a:stCxn id="4" idx="2"/>
-            <a:endCxn id="361" idx="0"/>
-          </p:cNvCxnSpPr>
+          <p:cNvCxnSpPr/>
           <p:nvPr/>
         </p:nvCxnSpPr>
         <p:spPr>
-          <a:xfrm rot="16200000" flipH="1">
-            <a:off x="6215593" y="-1032861"/>
-            <a:ext cx="244754" cy="3172747"/>
+          <a:xfrm>
+            <a:off x="4750177" y="911632"/>
+            <a:ext cx="2824707" cy="785014"/>
           </a:xfrm>
           <a:prstGeom prst="bentConnector3">
-            <a:avLst/>
+            <a:avLst>
+              <a:gd name="adj1" fmla="val 100387"/>
+            </a:avLst>
           </a:prstGeom>
           <a:ln w="12700">
             <a:solidFill>
@@ -1948,7 +1625,7 @@
         </p:nvSpPr>
         <p:spPr>
           <a:xfrm>
-            <a:off x="6145086" y="2978540"/>
+            <a:off x="4097616" y="4550205"/>
             <a:ext cx="1122431" cy="230832"/>
           </a:xfrm>
           <a:prstGeom prst="rect">
@@ -1968,7 +1645,7 @@
                 <a:latin typeface="Arial" panose="020B0604020202020204" pitchFamily="34" charset="0"/>
                 <a:cs typeface="Arial" panose="020B0604020202020204" pitchFamily="34" charset="0"/>
               </a:rPr>
-              <a:t>se resuelve como</a:t>
+              <a:t>se resuelven</a:t>
             </a:r>
             <a:endParaRPr lang="es-ES" sz="900" dirty="0">
               <a:latin typeface="Arial" panose="020B0604020202020204" pitchFamily="34" charset="0"/>
@@ -1977,46 +1654,6 @@
           </a:p>
         </p:txBody>
       </p:sp>
-      <p:cxnSp>
-        <p:nvCxnSpPr>
-          <p:cNvPr id="338" name="Conector angular 337"/>
-          <p:cNvCxnSpPr>
-            <a:stCxn id="335" idx="1"/>
-            <a:endCxn id="337" idx="3"/>
-          </p:cNvCxnSpPr>
-          <p:nvPr/>
-        </p:nvCxnSpPr>
-        <p:spPr>
-          <a:xfrm rot="10800000" flipV="1">
-            <a:off x="7267518" y="3048534"/>
-            <a:ext cx="175655" cy="45422"/>
-          </a:xfrm>
-          <a:prstGeom prst="bentConnector3">
-            <a:avLst>
-              <a:gd name="adj1" fmla="val -610"/>
-            </a:avLst>
-          </a:prstGeom>
-          <a:ln w="12700">
-            <a:solidFill>
-              <a:schemeClr val="tx1"/>
-            </a:solidFill>
-          </a:ln>
-        </p:spPr>
-        <p:style>
-          <a:lnRef idx="1">
-            <a:schemeClr val="accent1"/>
-          </a:lnRef>
-          <a:fillRef idx="0">
-            <a:schemeClr val="accent1"/>
-          </a:fillRef>
-          <a:effectRef idx="0">
-            <a:schemeClr val="accent1"/>
-          </a:effectRef>
-          <a:fontRef idx="minor">
-            <a:schemeClr val="tx1"/>
-          </a:fontRef>
-        </p:style>
-      </p:cxnSp>
       <p:sp>
         <p:nvSpPr>
           <p:cNvPr id="339" name="Rectángulo 338" descr="Nodo de segundo nivel" title="Nodo02"/>
@@ -2025,15 +1662,15 @@
         </p:nvSpPr>
         <p:spPr>
           <a:xfrm>
-            <a:off x="4636774" y="2798307"/>
-            <a:ext cx="1340706" cy="500454"/>
+            <a:off x="3831341" y="5030549"/>
+            <a:ext cx="1551705" cy="1075823"/>
           </a:xfrm>
           <a:prstGeom prst="rect">
             <a:avLst/>
           </a:prstGeom>
           <a:solidFill>
             <a:schemeClr val="bg2">
-              <a:lumMod val="50000"/>
+              <a:lumMod val="90000"/>
             </a:schemeClr>
           </a:solidFill>
           <a:ln>
@@ -2062,28 +1699,18 @@
           <a:p>
             <a:pPr algn="ctr"/>
             <a:r>
-              <a:rPr lang="es-ES" sz="1050" dirty="0">
+              <a:rPr lang="es-ES" sz="900" dirty="0" smtClean="0">
                 <a:solidFill>
-                  <a:schemeClr val="bg1"/>
+                  <a:schemeClr val="tx1"/>
                 </a:solidFill>
                 <a:latin typeface="Arial" panose="020B0604020202020204" pitchFamily="34" charset="0"/>
                 <a:cs typeface="Arial" panose="020B0604020202020204" pitchFamily="34" charset="0"/>
               </a:rPr>
-              <a:t>s</a:t>
+              <a:t>multiplicando las expresiones algebraicas de numeradores y denominadores respectivamente y simplificando cuando sea posible</a:t>
             </a:r>
-            <a:r>
-              <a:rPr lang="es-ES" sz="1050" dirty="0" smtClean="0">
-                <a:solidFill>
-                  <a:schemeClr val="bg1"/>
-                </a:solidFill>
-                <a:latin typeface="Arial" panose="020B0604020202020204" pitchFamily="34" charset="0"/>
-                <a:cs typeface="Arial" panose="020B0604020202020204" pitchFamily="34" charset="0"/>
-              </a:rPr>
-              <a:t>e multiplican números racionales</a:t>
-            </a:r>
-            <a:endParaRPr lang="es-ES" sz="1050" dirty="0">
+            <a:endParaRPr lang="es-ES" sz="900" dirty="0">
               <a:solidFill>
-                <a:schemeClr val="bg1"/>
+                <a:schemeClr val="tx1"/>
               </a:solidFill>
               <a:latin typeface="Arial" panose="020B0604020202020204" pitchFamily="34" charset="0"/>
               <a:cs typeface="Arial" panose="020B0604020202020204" pitchFamily="34" charset="0"/>
@@ -2093,55 +1720,13 @@
       </p:sp>
       <p:cxnSp>
         <p:nvCxnSpPr>
-          <p:cNvPr id="340" name="Conector angular 339"/>
-          <p:cNvCxnSpPr>
-            <a:stCxn id="337" idx="1"/>
-            <a:endCxn id="339" idx="3"/>
-          </p:cNvCxnSpPr>
+          <p:cNvPr id="342" name="Conector angular 341"/>
+          <p:cNvCxnSpPr/>
           <p:nvPr/>
         </p:nvCxnSpPr>
         <p:spPr>
-          <a:xfrm rot="10800000">
-            <a:off x="5977480" y="3048534"/>
-            <a:ext cx="167606" cy="45422"/>
-          </a:xfrm>
-          <a:prstGeom prst="bentConnector3">
-            <a:avLst>
-              <a:gd name="adj1" fmla="val 100010"/>
-            </a:avLst>
-          </a:prstGeom>
-          <a:ln w="12700">
-            <a:solidFill>
-              <a:schemeClr val="tx1"/>
-            </a:solidFill>
-          </a:ln>
-        </p:spPr>
-        <p:style>
-          <a:lnRef idx="1">
-            <a:schemeClr val="accent1"/>
-          </a:lnRef>
-          <a:fillRef idx="0">
-            <a:schemeClr val="accent1"/>
-          </a:fillRef>
-          <a:effectRef idx="0">
-            <a:schemeClr val="accent1"/>
-          </a:effectRef>
-          <a:fontRef idx="minor">
-            <a:schemeClr val="tx1"/>
-          </a:fontRef>
-        </p:style>
-      </p:cxnSp>
-      <p:cxnSp>
-        <p:nvCxnSpPr>
-          <p:cNvPr id="342" name="Conector angular 341"/>
-          <p:cNvCxnSpPr>
-            <a:stCxn id="339" idx="2"/>
-          </p:cNvCxnSpPr>
-          <p:nvPr/>
-        </p:nvCxnSpPr>
-        <p:spPr>
           <a:xfrm rot="16200000" flipH="1">
-            <a:off x="5310665" y="3295223"/>
+            <a:off x="7143425" y="5129396"/>
             <a:ext cx="46" cy="7122"/>
           </a:xfrm>
           <a:prstGeom prst="bentConnector2">
@@ -2176,7 +1761,7 @@
         </p:nvSpPr>
         <p:spPr>
           <a:xfrm>
-            <a:off x="7280477" y="675890"/>
+            <a:off x="6983142" y="1815096"/>
             <a:ext cx="1287734" cy="230832"/>
           </a:xfrm>
           <a:prstGeom prst="rect">
@@ -2196,7 +1781,7 @@
                 <a:latin typeface="Arial" panose="020B0604020202020204" pitchFamily="34" charset="0"/>
                 <a:cs typeface="Arial" panose="020B0604020202020204" pitchFamily="34" charset="0"/>
               </a:rPr>
-              <a:t>sus operaciones son</a:t>
+              <a:t>se realizan</a:t>
             </a:r>
             <a:endParaRPr lang="es-ES" sz="900" dirty="0">
               <a:latin typeface="Arial" panose="020B0604020202020204" pitchFamily="34" charset="0"/>
@@ -2205,211 +1790,6 @@
           </a:p>
         </p:txBody>
       </p:sp>
-      <p:cxnSp>
-        <p:nvCxnSpPr>
-          <p:cNvPr id="362" name="Conector angular 361"/>
-          <p:cNvCxnSpPr>
-            <a:stCxn id="361" idx="3"/>
-            <a:endCxn id="335" idx="3"/>
-          </p:cNvCxnSpPr>
-          <p:nvPr/>
-        </p:nvCxnSpPr>
-        <p:spPr>
-          <a:xfrm>
-            <a:off x="8568211" y="791306"/>
-            <a:ext cx="165009" cy="2257228"/>
-          </a:xfrm>
-          <a:prstGeom prst="bentConnector3">
-            <a:avLst>
-              <a:gd name="adj1" fmla="val 247623"/>
-            </a:avLst>
-          </a:prstGeom>
-          <a:ln w="12700">
-            <a:solidFill>
-              <a:schemeClr val="tx1"/>
-            </a:solidFill>
-          </a:ln>
-        </p:spPr>
-        <p:style>
-          <a:lnRef idx="1">
-            <a:schemeClr val="accent1"/>
-          </a:lnRef>
-          <a:fillRef idx="0">
-            <a:schemeClr val="accent1"/>
-          </a:fillRef>
-          <a:effectRef idx="0">
-            <a:schemeClr val="accent1"/>
-          </a:effectRef>
-          <a:fontRef idx="minor">
-            <a:schemeClr val="tx1"/>
-          </a:fontRef>
-        </p:style>
-      </p:cxnSp>
-      <p:sp>
-        <p:nvSpPr>
-          <p:cNvPr id="115" name="Rectángulo 114" descr="Nodo de segundo nivel" title="Nodo02"/>
-          <p:cNvSpPr/>
-          <p:nvPr/>
-        </p:nvSpPr>
-        <p:spPr>
-          <a:xfrm>
-            <a:off x="1363499" y="4263008"/>
-            <a:ext cx="1124746" cy="324976"/>
-          </a:xfrm>
-          <a:prstGeom prst="rect">
-            <a:avLst/>
-          </a:prstGeom>
-          <a:solidFill>
-            <a:schemeClr val="bg2">
-              <a:lumMod val="50000"/>
-            </a:schemeClr>
-          </a:solidFill>
-          <a:ln>
-            <a:solidFill>
-              <a:schemeClr val="tx1"/>
-            </a:solidFill>
-          </a:ln>
-        </p:spPr>
-        <p:style>
-          <a:lnRef idx="2">
-            <a:schemeClr val="accent6"/>
-          </a:lnRef>
-          <a:fillRef idx="1">
-            <a:schemeClr val="lt1"/>
-          </a:fillRef>
-          <a:effectRef idx="0">
-            <a:schemeClr val="accent6"/>
-          </a:effectRef>
-          <a:fontRef idx="minor">
-            <a:schemeClr val="dk1"/>
-          </a:fontRef>
-        </p:style>
-        <p:txBody>
-          <a:bodyPr rtlCol="0" anchor="ctr"/>
-          <a:lstStyle/>
-          <a:p>
-            <a:pPr algn="ctr"/>
-            <a:r>
-              <a:rPr lang="es-ES" sz="1050" dirty="0" smtClean="0">
-                <a:solidFill>
-                  <a:schemeClr val="bg1"/>
-                </a:solidFill>
-                <a:latin typeface="Arial" panose="020B0604020202020204" pitchFamily="34" charset="0"/>
-                <a:cs typeface="Arial" panose="020B0604020202020204" pitchFamily="34" charset="0"/>
-              </a:rPr>
-              <a:t>combinadas</a:t>
-            </a:r>
-            <a:endParaRPr lang="es-ES" sz="1050" dirty="0">
-              <a:solidFill>
-                <a:schemeClr val="bg1"/>
-              </a:solidFill>
-              <a:latin typeface="Arial" panose="020B0604020202020204" pitchFamily="34" charset="0"/>
-              <a:cs typeface="Arial" panose="020B0604020202020204" pitchFamily="34" charset="0"/>
-            </a:endParaRPr>
-          </a:p>
-        </p:txBody>
-      </p:sp>
-      <p:sp>
-        <p:nvSpPr>
-          <p:cNvPr id="116" name="Rectángulo 115" descr="Nodo de segundo nivel" title="Nodo02"/>
-          <p:cNvSpPr/>
-          <p:nvPr/>
-        </p:nvSpPr>
-        <p:spPr>
-          <a:xfrm>
-            <a:off x="1371459" y="4716121"/>
-            <a:ext cx="1124746" cy="324976"/>
-          </a:xfrm>
-          <a:prstGeom prst="rect">
-            <a:avLst/>
-          </a:prstGeom>
-          <a:solidFill>
-            <a:schemeClr val="bg2">
-              <a:lumMod val="50000"/>
-            </a:schemeClr>
-          </a:solidFill>
-          <a:ln>
-            <a:solidFill>
-              <a:schemeClr val="tx1"/>
-            </a:solidFill>
-          </a:ln>
-        </p:spPr>
-        <p:style>
-          <a:lnRef idx="2">
-            <a:schemeClr val="accent6"/>
-          </a:lnRef>
-          <a:fillRef idx="1">
-            <a:schemeClr val="lt1"/>
-          </a:fillRef>
-          <a:effectRef idx="0">
-            <a:schemeClr val="accent6"/>
-          </a:effectRef>
-          <a:fontRef idx="minor">
-            <a:schemeClr val="dk1"/>
-          </a:fontRef>
-        </p:style>
-        <p:txBody>
-          <a:bodyPr rtlCol="0" anchor="ctr"/>
-          <a:lstStyle/>
-          <a:p>
-            <a:pPr algn="ctr"/>
-            <a:r>
-              <a:rPr lang="es-ES" sz="1050" dirty="0" smtClean="0">
-                <a:solidFill>
-                  <a:schemeClr val="bg1"/>
-                </a:solidFill>
-                <a:latin typeface="Arial" panose="020B0604020202020204" pitchFamily="34" charset="0"/>
-                <a:cs typeface="Arial" panose="020B0604020202020204" pitchFamily="34" charset="0"/>
-              </a:rPr>
-              <a:t>no polinomios</a:t>
-            </a:r>
-            <a:endParaRPr lang="es-ES" sz="1050" dirty="0">
-              <a:solidFill>
-                <a:schemeClr val="bg1"/>
-              </a:solidFill>
-              <a:latin typeface="Arial" panose="020B0604020202020204" pitchFamily="34" charset="0"/>
-              <a:cs typeface="Arial" panose="020B0604020202020204" pitchFamily="34" charset="0"/>
-            </a:endParaRPr>
-          </a:p>
-        </p:txBody>
-      </p:sp>
-      <p:cxnSp>
-        <p:nvCxnSpPr>
-          <p:cNvPr id="120" name="Conector angular 119"/>
-          <p:cNvCxnSpPr>
-            <a:endCxn id="116" idx="1"/>
-          </p:cNvCxnSpPr>
-          <p:nvPr/>
-        </p:nvCxnSpPr>
-        <p:spPr>
-          <a:xfrm rot="16200000" flipH="1">
-            <a:off x="-232225" y="3274925"/>
-            <a:ext cx="2686204" cy="521163"/>
-          </a:xfrm>
-          <a:prstGeom prst="bentConnector2">
-            <a:avLst/>
-          </a:prstGeom>
-          <a:ln w="12700">
-            <a:solidFill>
-              <a:schemeClr val="tx1"/>
-            </a:solidFill>
-          </a:ln>
-        </p:spPr>
-        <p:style>
-          <a:lnRef idx="1">
-            <a:schemeClr val="accent1"/>
-          </a:lnRef>
-          <a:fillRef idx="0">
-            <a:schemeClr val="accent1"/>
-          </a:fillRef>
-          <a:effectRef idx="0">
-            <a:schemeClr val="accent1"/>
-          </a:effectRef>
-          <a:fontRef idx="minor">
-            <a:schemeClr val="tx1"/>
-          </a:fontRef>
-        </p:style>
-      </p:cxnSp>
       <p:sp>
         <p:nvSpPr>
           <p:cNvPr id="127" name="CuadroTexto 126" descr="Conector entre nodos" title="conector"/>
@@ -2418,7 +1798,7 @@
         </p:nvSpPr>
         <p:spPr>
           <a:xfrm>
-            <a:off x="1893493" y="1984292"/>
+            <a:off x="806559" y="3374949"/>
             <a:ext cx="1122431" cy="230832"/>
           </a:xfrm>
           <a:prstGeom prst="rect">
@@ -2455,7 +1835,7 @@
         </p:nvSpPr>
         <p:spPr>
           <a:xfrm>
-            <a:off x="1245447" y="2991137"/>
+            <a:off x="529968" y="4102528"/>
             <a:ext cx="865638" cy="357473"/>
           </a:xfrm>
           <a:prstGeom prst="rect">
@@ -2519,7 +1899,7 @@
         </p:nvSpPr>
         <p:spPr>
           <a:xfrm>
-            <a:off x="2359084" y="2975552"/>
+            <a:off x="1615396" y="4117777"/>
             <a:ext cx="897699" cy="357473"/>
           </a:xfrm>
           <a:prstGeom prst="rect">
@@ -2577,559 +1957,14 @@
       </p:sp>
       <p:sp>
         <p:nvSpPr>
-          <p:cNvPr id="136" name="Rectángulo 135" descr="Nodo de primer nivel" title="Nodo01"/>
-          <p:cNvSpPr/>
-          <p:nvPr/>
-        </p:nvSpPr>
-        <p:spPr>
-          <a:xfrm>
-            <a:off x="7464858" y="3503718"/>
-            <a:ext cx="1290048" cy="615285"/>
-          </a:xfrm>
-          <a:prstGeom prst="rect">
-            <a:avLst/>
-          </a:prstGeom>
-          <a:solidFill>
-            <a:schemeClr val="bg1"/>
-          </a:solidFill>
-          <a:ln>
-            <a:solidFill>
-              <a:schemeClr val="tx1"/>
-            </a:solidFill>
-          </a:ln>
-          <a:effectLst>
-            <a:outerShdw blurRad="50800" dist="38100" dir="2700000" algn="tl" rotWithShape="0">
-              <a:prstClr val="black">
-                <a:alpha val="40000"/>
-              </a:prstClr>
-            </a:outerShdw>
-          </a:effectLst>
-        </p:spPr>
-        <p:style>
-          <a:lnRef idx="2">
-            <a:schemeClr val="accent6"/>
-          </a:lnRef>
-          <a:fillRef idx="1">
-            <a:schemeClr val="lt1"/>
-          </a:fillRef>
-          <a:effectRef idx="0">
-            <a:schemeClr val="accent6"/>
-          </a:effectRef>
-          <a:fontRef idx="minor">
-            <a:schemeClr val="dk1"/>
-          </a:fontRef>
-        </p:style>
-        <p:txBody>
-          <a:bodyPr rtlCol="0" anchor="ctr"/>
-          <a:lstStyle/>
-          <a:p>
-            <a:pPr algn="ctr"/>
-            <a:r>
-              <a:rPr lang="es-ES" sz="1200" b="1" dirty="0" smtClean="0">
-                <a:latin typeface="Arial" panose="020B0604020202020204" pitchFamily="34" charset="0"/>
-                <a:cs typeface="Arial" panose="020B0604020202020204" pitchFamily="34" charset="0"/>
-              </a:rPr>
-              <a:t>Adición y sustracción</a:t>
-            </a:r>
-            <a:endParaRPr lang="es-ES" sz="1200" b="1" dirty="0">
-              <a:latin typeface="Arial" panose="020B0604020202020204" pitchFamily="34" charset="0"/>
-              <a:cs typeface="Arial" panose="020B0604020202020204" pitchFamily="34" charset="0"/>
-            </a:endParaRPr>
-          </a:p>
-        </p:txBody>
-      </p:sp>
-      <p:sp>
-        <p:nvSpPr>
-          <p:cNvPr id="138" name="CuadroTexto 137" descr="Conector entre nodos" title="conector"/>
-          <p:cNvSpPr txBox="1"/>
-          <p:nvPr/>
-        </p:nvSpPr>
-        <p:spPr>
-          <a:xfrm>
-            <a:off x="6145086" y="3578372"/>
-            <a:ext cx="1120130" cy="230832"/>
-          </a:xfrm>
-          <a:prstGeom prst="rect">
-            <a:avLst/>
-          </a:prstGeom>
-          <a:noFill/>
-        </p:spPr>
-        <p:txBody>
-          <a:bodyPr wrap="square" rtlCol="0">
-            <a:spAutoFit/>
-          </a:bodyPr>
-          <a:lstStyle/>
-          <a:p>
-            <a:pPr algn="ctr"/>
-            <a:r>
-              <a:rPr lang="es-ES" sz="900" dirty="0" smtClean="0">
-                <a:latin typeface="Arial" panose="020B0604020202020204" pitchFamily="34" charset="0"/>
-                <a:cs typeface="Arial" panose="020B0604020202020204" pitchFamily="34" charset="0"/>
-              </a:rPr>
-              <a:t>se resuelve como</a:t>
-            </a:r>
-            <a:endParaRPr lang="es-ES" sz="900" dirty="0">
-              <a:latin typeface="Arial" panose="020B0604020202020204" pitchFamily="34" charset="0"/>
-              <a:cs typeface="Arial" panose="020B0604020202020204" pitchFamily="34" charset="0"/>
-            </a:endParaRPr>
-          </a:p>
-        </p:txBody>
-      </p:sp>
-      <p:cxnSp>
-        <p:nvCxnSpPr>
-          <p:cNvPr id="139" name="Conector angular 138"/>
-          <p:cNvCxnSpPr>
-            <a:stCxn id="136" idx="1"/>
-            <a:endCxn id="138" idx="3"/>
-          </p:cNvCxnSpPr>
-          <p:nvPr/>
-        </p:nvCxnSpPr>
-        <p:spPr>
-          <a:xfrm rot="10800000">
-            <a:off x="7265216" y="3693789"/>
-            <a:ext cx="199642" cy="117573"/>
-          </a:xfrm>
-          <a:prstGeom prst="bentConnector3">
-            <a:avLst>
-              <a:gd name="adj1" fmla="val -573"/>
-            </a:avLst>
-          </a:prstGeom>
-          <a:ln w="12700">
-            <a:solidFill>
-              <a:schemeClr val="tx1"/>
-            </a:solidFill>
-          </a:ln>
-        </p:spPr>
-        <p:style>
-          <a:lnRef idx="1">
-            <a:schemeClr val="accent1"/>
-          </a:lnRef>
-          <a:fillRef idx="0">
-            <a:schemeClr val="accent1"/>
-          </a:fillRef>
-          <a:effectRef idx="0">
-            <a:schemeClr val="accent1"/>
-          </a:effectRef>
-          <a:fontRef idx="minor">
-            <a:schemeClr val="tx1"/>
-          </a:fontRef>
-        </p:style>
-      </p:cxnSp>
-      <p:sp>
-        <p:nvSpPr>
-          <p:cNvPr id="140" name="Rectángulo 139" descr="Nodo de segundo nivel" title="Nodo02"/>
-          <p:cNvSpPr/>
-          <p:nvPr/>
-        </p:nvSpPr>
-        <p:spPr>
-          <a:xfrm>
-            <a:off x="4640251" y="3504815"/>
-            <a:ext cx="1337231" cy="614188"/>
-          </a:xfrm>
-          <a:prstGeom prst="rect">
-            <a:avLst/>
-          </a:prstGeom>
-          <a:solidFill>
-            <a:schemeClr val="bg2">
-              <a:lumMod val="50000"/>
-            </a:schemeClr>
-          </a:solidFill>
-          <a:ln>
-            <a:solidFill>
-              <a:schemeClr val="tx1"/>
-            </a:solidFill>
-          </a:ln>
-        </p:spPr>
-        <p:style>
-          <a:lnRef idx="2">
-            <a:schemeClr val="accent6"/>
-          </a:lnRef>
-          <a:fillRef idx="1">
-            <a:schemeClr val="lt1"/>
-          </a:fillRef>
-          <a:effectRef idx="0">
-            <a:schemeClr val="accent6"/>
-          </a:effectRef>
-          <a:fontRef idx="minor">
-            <a:schemeClr val="dk1"/>
-          </a:fontRef>
-        </p:style>
-        <p:txBody>
-          <a:bodyPr rtlCol="0" anchor="ctr"/>
-          <a:lstStyle/>
-          <a:p>
-            <a:pPr algn="ctr"/>
-            <a:r>
-              <a:rPr lang="es-ES" sz="1050" dirty="0">
-                <a:solidFill>
-                  <a:schemeClr val="bg1"/>
-                </a:solidFill>
-                <a:latin typeface="Arial" panose="020B0604020202020204" pitchFamily="34" charset="0"/>
-                <a:cs typeface="Arial" panose="020B0604020202020204" pitchFamily="34" charset="0"/>
-              </a:rPr>
-              <a:t>s</a:t>
-            </a:r>
-            <a:r>
-              <a:rPr lang="es-ES" sz="1050" dirty="0" smtClean="0">
-                <a:solidFill>
-                  <a:schemeClr val="bg1"/>
-                </a:solidFill>
-                <a:latin typeface="Arial" panose="020B0604020202020204" pitchFamily="34" charset="0"/>
-                <a:cs typeface="Arial" panose="020B0604020202020204" pitchFamily="34" charset="0"/>
-              </a:rPr>
-              <a:t>e adicionan y sustraen  números racionales</a:t>
-            </a:r>
-            <a:endParaRPr lang="es-ES" sz="1050" dirty="0">
-              <a:solidFill>
-                <a:schemeClr val="bg1"/>
-              </a:solidFill>
-              <a:latin typeface="Arial" panose="020B0604020202020204" pitchFamily="34" charset="0"/>
-              <a:cs typeface="Arial" panose="020B0604020202020204" pitchFamily="34" charset="0"/>
-            </a:endParaRPr>
-          </a:p>
-        </p:txBody>
-      </p:sp>
-      <p:cxnSp>
-        <p:nvCxnSpPr>
-          <p:cNvPr id="141" name="Conector angular 140"/>
-          <p:cNvCxnSpPr>
-            <a:stCxn id="138" idx="1"/>
-            <a:endCxn id="140" idx="3"/>
-          </p:cNvCxnSpPr>
-          <p:nvPr/>
-        </p:nvCxnSpPr>
-        <p:spPr>
-          <a:xfrm rot="10800000" flipV="1">
-            <a:off x="5977482" y="3693787"/>
-            <a:ext cx="167604" cy="118121"/>
-          </a:xfrm>
-          <a:prstGeom prst="bentConnector3">
-            <a:avLst>
-              <a:gd name="adj1" fmla="val 98874"/>
-            </a:avLst>
-          </a:prstGeom>
-          <a:ln w="12700">
-            <a:solidFill>
-              <a:schemeClr val="tx1"/>
-            </a:solidFill>
-          </a:ln>
-        </p:spPr>
-        <p:style>
-          <a:lnRef idx="1">
-            <a:schemeClr val="accent1"/>
-          </a:lnRef>
-          <a:fillRef idx="0">
-            <a:schemeClr val="accent1"/>
-          </a:fillRef>
-          <a:effectRef idx="0">
-            <a:schemeClr val="accent1"/>
-          </a:effectRef>
-          <a:fontRef idx="minor">
-            <a:schemeClr val="tx1"/>
-          </a:fontRef>
-        </p:style>
-      </p:cxnSp>
-      <p:sp>
-        <p:nvSpPr>
-          <p:cNvPr id="145" name="Rectángulo 144" descr="Nodo de primer nivel" title="Nodo01"/>
-          <p:cNvSpPr/>
-          <p:nvPr/>
-        </p:nvSpPr>
-        <p:spPr>
-          <a:xfrm>
-            <a:off x="7464858" y="4295077"/>
-            <a:ext cx="1290048" cy="500454"/>
-          </a:xfrm>
-          <a:prstGeom prst="rect">
-            <a:avLst/>
-          </a:prstGeom>
-          <a:solidFill>
-            <a:schemeClr val="bg1"/>
-          </a:solidFill>
-          <a:ln>
-            <a:solidFill>
-              <a:schemeClr val="tx1"/>
-            </a:solidFill>
-          </a:ln>
-          <a:effectLst>
-            <a:outerShdw blurRad="50800" dist="38100" dir="2700000" algn="tl" rotWithShape="0">
-              <a:prstClr val="black">
-                <a:alpha val="40000"/>
-              </a:prstClr>
-            </a:outerShdw>
-          </a:effectLst>
-        </p:spPr>
-        <p:style>
-          <a:lnRef idx="2">
-            <a:schemeClr val="accent6"/>
-          </a:lnRef>
-          <a:fillRef idx="1">
-            <a:schemeClr val="lt1"/>
-          </a:fillRef>
-          <a:effectRef idx="0">
-            <a:schemeClr val="accent6"/>
-          </a:effectRef>
-          <a:fontRef idx="minor">
-            <a:schemeClr val="dk1"/>
-          </a:fontRef>
-        </p:style>
-        <p:txBody>
-          <a:bodyPr rtlCol="0" anchor="ctr"/>
-          <a:lstStyle/>
-          <a:p>
-            <a:pPr algn="ctr"/>
-            <a:r>
-              <a:rPr lang="es-ES" sz="1200" b="1" dirty="0" smtClean="0">
-                <a:latin typeface="Arial" panose="020B0604020202020204" pitchFamily="34" charset="0"/>
-                <a:cs typeface="Arial" panose="020B0604020202020204" pitchFamily="34" charset="0"/>
-              </a:rPr>
-              <a:t>División</a:t>
-            </a:r>
-            <a:endParaRPr lang="es-ES" sz="1200" b="1" dirty="0">
-              <a:latin typeface="Arial" panose="020B0604020202020204" pitchFamily="34" charset="0"/>
-              <a:cs typeface="Arial" panose="020B0604020202020204" pitchFamily="34" charset="0"/>
-            </a:endParaRPr>
-          </a:p>
-        </p:txBody>
-      </p:sp>
-      <p:sp>
-        <p:nvSpPr>
-          <p:cNvPr id="146" name="CuadroTexto 145" descr="Conector entre nodos" title="conector"/>
-          <p:cNvSpPr txBox="1"/>
-          <p:nvPr/>
-        </p:nvSpPr>
-        <p:spPr>
-          <a:xfrm>
-            <a:off x="6145087" y="4324538"/>
-            <a:ext cx="1120128" cy="230832"/>
-          </a:xfrm>
-          <a:prstGeom prst="rect">
-            <a:avLst/>
-          </a:prstGeom>
-          <a:noFill/>
-        </p:spPr>
-        <p:txBody>
-          <a:bodyPr wrap="square" rtlCol="0">
-            <a:spAutoFit/>
-          </a:bodyPr>
-          <a:lstStyle/>
-          <a:p>
-            <a:pPr algn="ctr"/>
-            <a:r>
-              <a:rPr lang="es-ES" sz="900" dirty="0" smtClean="0">
-                <a:latin typeface="Arial" panose="020B0604020202020204" pitchFamily="34" charset="0"/>
-                <a:cs typeface="Arial" panose="020B0604020202020204" pitchFamily="34" charset="0"/>
-              </a:rPr>
-              <a:t>se resuelve como</a:t>
-            </a:r>
-            <a:endParaRPr lang="es-ES" sz="900" dirty="0">
-              <a:latin typeface="Arial" panose="020B0604020202020204" pitchFamily="34" charset="0"/>
-              <a:cs typeface="Arial" panose="020B0604020202020204" pitchFamily="34" charset="0"/>
-            </a:endParaRPr>
-          </a:p>
-        </p:txBody>
-      </p:sp>
-      <p:cxnSp>
-        <p:nvCxnSpPr>
-          <p:cNvPr id="147" name="Conector angular 146"/>
-          <p:cNvCxnSpPr>
-            <a:stCxn id="145" idx="1"/>
-            <a:endCxn id="146" idx="3"/>
-          </p:cNvCxnSpPr>
-          <p:nvPr/>
-        </p:nvCxnSpPr>
-        <p:spPr>
-          <a:xfrm rot="10800000">
-            <a:off x="7265216" y="4439954"/>
-            <a:ext cx="199643" cy="105350"/>
-          </a:xfrm>
-          <a:prstGeom prst="bentConnector3">
-            <a:avLst>
-              <a:gd name="adj1" fmla="val -573"/>
-            </a:avLst>
-          </a:prstGeom>
-          <a:ln w="12700">
-            <a:solidFill>
-              <a:schemeClr val="tx1"/>
-            </a:solidFill>
-          </a:ln>
-        </p:spPr>
-        <p:style>
-          <a:lnRef idx="1">
-            <a:schemeClr val="accent1"/>
-          </a:lnRef>
-          <a:fillRef idx="0">
-            <a:schemeClr val="accent1"/>
-          </a:fillRef>
-          <a:effectRef idx="0">
-            <a:schemeClr val="accent1"/>
-          </a:effectRef>
-          <a:fontRef idx="minor">
-            <a:schemeClr val="tx1"/>
-          </a:fontRef>
-        </p:style>
-      </p:cxnSp>
-      <p:sp>
-        <p:nvSpPr>
-          <p:cNvPr id="148" name="Rectángulo 147" descr="Nodo de segundo nivel" title="Nodo02"/>
-          <p:cNvSpPr/>
-          <p:nvPr/>
-        </p:nvSpPr>
-        <p:spPr>
-          <a:xfrm>
-            <a:off x="4636774" y="4295077"/>
-            <a:ext cx="1340707" cy="500454"/>
-          </a:xfrm>
-          <a:prstGeom prst="rect">
-            <a:avLst/>
-          </a:prstGeom>
-          <a:solidFill>
-            <a:schemeClr val="bg2">
-              <a:lumMod val="50000"/>
-            </a:schemeClr>
-          </a:solidFill>
-          <a:ln>
-            <a:solidFill>
-              <a:schemeClr val="tx1"/>
-            </a:solidFill>
-          </a:ln>
-        </p:spPr>
-        <p:style>
-          <a:lnRef idx="2">
-            <a:schemeClr val="accent6"/>
-          </a:lnRef>
-          <a:fillRef idx="1">
-            <a:schemeClr val="lt1"/>
-          </a:fillRef>
-          <a:effectRef idx="0">
-            <a:schemeClr val="accent6"/>
-          </a:effectRef>
-          <a:fontRef idx="minor">
-            <a:schemeClr val="dk1"/>
-          </a:fontRef>
-        </p:style>
-        <p:txBody>
-          <a:bodyPr rtlCol="0" anchor="ctr"/>
-          <a:lstStyle/>
-          <a:p>
-            <a:pPr algn="ctr"/>
-            <a:r>
-              <a:rPr lang="es-ES" sz="1050" dirty="0">
-                <a:solidFill>
-                  <a:schemeClr val="bg1"/>
-                </a:solidFill>
-                <a:latin typeface="Arial" panose="020B0604020202020204" pitchFamily="34" charset="0"/>
-                <a:cs typeface="Arial" panose="020B0604020202020204" pitchFamily="34" charset="0"/>
-              </a:rPr>
-              <a:t>s</a:t>
-            </a:r>
-            <a:r>
-              <a:rPr lang="es-ES" sz="1050" dirty="0" smtClean="0">
-                <a:solidFill>
-                  <a:schemeClr val="bg1"/>
-                </a:solidFill>
-                <a:latin typeface="Arial" panose="020B0604020202020204" pitchFamily="34" charset="0"/>
-                <a:cs typeface="Arial" panose="020B0604020202020204" pitchFamily="34" charset="0"/>
-              </a:rPr>
-              <a:t>e dividen números racionales</a:t>
-            </a:r>
-            <a:endParaRPr lang="es-ES" sz="1050" dirty="0">
-              <a:solidFill>
-                <a:schemeClr val="bg1"/>
-              </a:solidFill>
-              <a:latin typeface="Arial" panose="020B0604020202020204" pitchFamily="34" charset="0"/>
-              <a:cs typeface="Arial" panose="020B0604020202020204" pitchFamily="34" charset="0"/>
-            </a:endParaRPr>
-          </a:p>
-        </p:txBody>
-      </p:sp>
-      <p:cxnSp>
-        <p:nvCxnSpPr>
-          <p:cNvPr id="149" name="Conector angular 148"/>
-          <p:cNvCxnSpPr>
-            <a:stCxn id="146" idx="1"/>
-            <a:endCxn id="148" idx="3"/>
-          </p:cNvCxnSpPr>
-          <p:nvPr/>
-        </p:nvCxnSpPr>
-        <p:spPr>
-          <a:xfrm rot="10800000" flipV="1">
-            <a:off x="5977481" y="4439954"/>
-            <a:ext cx="167606" cy="105350"/>
-          </a:xfrm>
-          <a:prstGeom prst="bentConnector3">
-            <a:avLst>
-              <a:gd name="adj1" fmla="val 100010"/>
-            </a:avLst>
-          </a:prstGeom>
-          <a:ln w="12700">
-            <a:solidFill>
-              <a:schemeClr val="tx1"/>
-            </a:solidFill>
-          </a:ln>
-        </p:spPr>
-        <p:style>
-          <a:lnRef idx="1">
-            <a:schemeClr val="accent1"/>
-          </a:lnRef>
-          <a:fillRef idx="0">
-            <a:schemeClr val="accent1"/>
-          </a:fillRef>
-          <a:effectRef idx="0">
-            <a:schemeClr val="accent1"/>
-          </a:effectRef>
-          <a:fontRef idx="minor">
-            <a:schemeClr val="tx1"/>
-          </a:fontRef>
-        </p:style>
-      </p:cxnSp>
-      <p:cxnSp>
-        <p:nvCxnSpPr>
-          <p:cNvPr id="150" name="Conector angular 149"/>
-          <p:cNvCxnSpPr>
-            <a:stCxn id="148" idx="2"/>
-          </p:cNvCxnSpPr>
-          <p:nvPr/>
-        </p:nvCxnSpPr>
-        <p:spPr>
-          <a:xfrm rot="5400000">
-            <a:off x="5296193" y="4784644"/>
-            <a:ext cx="48" cy="21823"/>
-          </a:xfrm>
-          <a:prstGeom prst="bentConnector2">
-            <a:avLst/>
-          </a:prstGeom>
-          <a:ln w="12700">
-            <a:solidFill>
-              <a:schemeClr val="tx1"/>
-            </a:solidFill>
-          </a:ln>
-        </p:spPr>
-        <p:style>
-          <a:lnRef idx="1">
-            <a:schemeClr val="accent1"/>
-          </a:lnRef>
-          <a:fillRef idx="0">
-            <a:schemeClr val="accent1"/>
-          </a:fillRef>
-          <a:effectRef idx="0">
-            <a:schemeClr val="accent1"/>
-          </a:effectRef>
-          <a:fontRef idx="minor">
-            <a:schemeClr val="tx1"/>
-          </a:fontRef>
-        </p:style>
-      </p:cxnSp>
-      <p:sp>
-        <p:nvSpPr>
           <p:cNvPr id="152" name="Rectángulo 151" descr="Nodo de tercer nivel" title="Nodo03"/>
           <p:cNvSpPr/>
           <p:nvPr/>
         </p:nvSpPr>
         <p:spPr>
           <a:xfrm>
-            <a:off x="1245446" y="3595083"/>
-            <a:ext cx="865639" cy="343441"/>
+            <a:off x="493257" y="5068922"/>
+            <a:ext cx="901952" cy="718141"/>
           </a:xfrm>
           <a:prstGeom prst="rect">
             <a:avLst/>
@@ -3172,7 +2007,7 @@
                 <a:latin typeface="Arial" panose="020B0604020202020204" pitchFamily="34" charset="0"/>
                 <a:cs typeface="Arial" panose="020B0604020202020204" pitchFamily="34" charset="0"/>
               </a:rPr>
-              <a:t>multiplicando</a:t>
+              <a:t>el máximo común divisor de los polinomios</a:t>
             </a:r>
             <a:endParaRPr lang="es-ES" sz="900" dirty="0">
               <a:solidFill>
@@ -3192,8 +2027,8 @@
         </p:nvSpPr>
         <p:spPr>
           <a:xfrm>
-            <a:off x="2359084" y="3599530"/>
-            <a:ext cx="897699" cy="343441"/>
+            <a:off x="1613996" y="5098624"/>
+            <a:ext cx="961250" cy="657692"/>
           </a:xfrm>
           <a:prstGeom prst="rect">
             <a:avLst/>
@@ -3228,6 +2063,16 @@
           <a:lstStyle/>
           <a:p>
             <a:pPr algn="ctr"/>
+            <a:r>
+              <a:rPr lang="es-ES" sz="900" dirty="0">
+                <a:solidFill>
+                  <a:schemeClr val="tx1"/>
+                </a:solidFill>
+                <a:latin typeface="Arial" panose="020B0604020202020204" pitchFamily="34" charset="0"/>
+                <a:cs typeface="Arial" panose="020B0604020202020204" pitchFamily="34" charset="0"/>
+              </a:rPr>
+              <a:t>el </a:t>
+            </a:r>
             <a:r>
               <a:rPr lang="es-ES" sz="900" dirty="0" smtClean="0">
                 <a:solidFill>
@@ -3236,15 +2081,18 @@
                 <a:latin typeface="Arial" panose="020B0604020202020204" pitchFamily="34" charset="0"/>
                 <a:cs typeface="Arial" panose="020B0604020202020204" pitchFamily="34" charset="0"/>
               </a:rPr>
-              <a:t>dividiendo</a:t>
+              <a:t>mínimo común múltiplo de </a:t>
             </a:r>
-            <a:endParaRPr lang="es-ES" sz="900" dirty="0">
-              <a:solidFill>
-                <a:schemeClr val="tx1"/>
-              </a:solidFill>
-              <a:latin typeface="Arial" panose="020B0604020202020204" pitchFamily="34" charset="0"/>
-              <a:cs typeface="Arial" panose="020B0604020202020204" pitchFamily="34" charset="0"/>
-            </a:endParaRPr>
+            <a:r>
+              <a:rPr lang="es-ES" sz="900" dirty="0">
+                <a:solidFill>
+                  <a:schemeClr val="tx1"/>
+                </a:solidFill>
+                <a:latin typeface="Arial" panose="020B0604020202020204" pitchFamily="34" charset="0"/>
+                <a:cs typeface="Arial" panose="020B0604020202020204" pitchFamily="34" charset="0"/>
+              </a:rPr>
+              <a:t>los polinomios</a:t>
+            </a:r>
           </a:p>
         </p:txBody>
       </p:sp>
@@ -3256,7 +2104,7 @@
         </p:nvSpPr>
         <p:spPr>
           <a:xfrm>
-            <a:off x="4677772" y="1175427"/>
+            <a:off x="4055603" y="1816976"/>
             <a:ext cx="1196727" cy="405944"/>
           </a:xfrm>
           <a:prstGeom prst="rect">
@@ -3319,7 +2167,7 @@
         </p:nvSpPr>
         <p:spPr>
           <a:xfrm>
-            <a:off x="4783458" y="1700790"/>
+            <a:off x="4161289" y="2342339"/>
             <a:ext cx="1122431" cy="230832"/>
           </a:xfrm>
           <a:prstGeom prst="rect">
@@ -3339,7 +2187,7 @@
                 <a:latin typeface="Arial" panose="020B0604020202020204" pitchFamily="34" charset="0"/>
                 <a:cs typeface="Arial" panose="020B0604020202020204" pitchFamily="34" charset="0"/>
               </a:rPr>
-              <a:t>si no tienen</a:t>
+              <a:t>si</a:t>
             </a:r>
             <a:endParaRPr lang="es-ES" sz="900" dirty="0">
               <a:latin typeface="Arial" panose="020B0604020202020204" pitchFamily="34" charset="0"/>
@@ -3359,7 +2207,7 @@
         </p:nvCxnSpPr>
         <p:spPr>
           <a:xfrm rot="16200000" flipH="1">
-            <a:off x="5250696" y="1606811"/>
+            <a:off x="4628527" y="2248360"/>
             <a:ext cx="119419" cy="68538"/>
           </a:xfrm>
           <a:prstGeom prst="bentConnector3">
@@ -3396,8 +2244,8 @@
         </p:nvSpPr>
         <p:spPr>
           <a:xfrm>
-            <a:off x="4677772" y="2114564"/>
-            <a:ext cx="1196728" cy="385757"/>
+            <a:off x="4124140" y="2788955"/>
+            <a:ext cx="1196728" cy="660559"/>
           </a:xfrm>
           <a:prstGeom prst="rect">
             <a:avLst/>
@@ -3440,7 +2288,7 @@
                 <a:latin typeface="Arial" panose="020B0604020202020204" pitchFamily="34" charset="0"/>
                 <a:cs typeface="Arial" panose="020B0604020202020204" pitchFamily="34" charset="0"/>
               </a:rPr>
-              <a:t>divisor común</a:t>
+              <a:t>los polinomios no tienen divisores comunes</a:t>
             </a:r>
             <a:endParaRPr lang="es-ES" sz="1050" dirty="0">
               <a:solidFill>
@@ -3463,12 +2311,12 @@
         </p:nvCxnSpPr>
         <p:spPr>
           <a:xfrm rot="5400000">
-            <a:off x="5218934" y="1988824"/>
-            <a:ext cx="182942" cy="68538"/>
+            <a:off x="4614613" y="2681063"/>
+            <a:ext cx="215784" cy="1"/>
           </a:xfrm>
           <a:prstGeom prst="bentConnector3">
             <a:avLst>
-              <a:gd name="adj1" fmla="val 99983"/>
+              <a:gd name="adj1" fmla="val 50000"/>
             </a:avLst>
           </a:prstGeom>
           <a:ln w="12700">
@@ -3500,7 +2348,7 @@
         </p:nvSpPr>
         <p:spPr>
           <a:xfrm>
-            <a:off x="6054916" y="1168305"/>
+            <a:off x="5432747" y="1809854"/>
             <a:ext cx="1196727" cy="405944"/>
           </a:xfrm>
           <a:prstGeom prst="rect">
@@ -3563,7 +2411,7 @@
         </p:nvSpPr>
         <p:spPr>
           <a:xfrm>
-            <a:off x="6093005" y="1697911"/>
+            <a:off x="5470836" y="2339460"/>
             <a:ext cx="1122431" cy="230832"/>
           </a:xfrm>
           <a:prstGeom prst="rect">
@@ -3603,7 +2451,7 @@
         </p:nvCxnSpPr>
         <p:spPr>
           <a:xfrm rot="16200000" flipH="1">
-            <a:off x="6591919" y="1635609"/>
+            <a:off x="5969750" y="2277158"/>
             <a:ext cx="123662" cy="941"/>
           </a:xfrm>
           <a:prstGeom prst="bentConnector3">
@@ -3640,8 +2488,8 @@
         </p:nvSpPr>
         <p:spPr>
           <a:xfrm>
-            <a:off x="6054916" y="2114564"/>
-            <a:ext cx="1196727" cy="385757"/>
+            <a:off x="5411363" y="2788955"/>
+            <a:ext cx="1239493" cy="626329"/>
           </a:xfrm>
           <a:prstGeom prst="rect">
             <a:avLst/>
@@ -3684,7 +2532,7 @@
                 <a:latin typeface="Arial" panose="020B0604020202020204" pitchFamily="34" charset="0"/>
                 <a:cs typeface="Arial" panose="020B0604020202020204" pitchFamily="34" charset="0"/>
               </a:rPr>
-              <a:t>diferente denominador</a:t>
+              <a:t>los denominadores diferentes</a:t>
             </a:r>
             <a:endParaRPr lang="es-ES" sz="1050" dirty="0">
               <a:solidFill>
@@ -3707,8 +2555,8 @@
         </p:nvCxnSpPr>
         <p:spPr>
           <a:xfrm rot="5400000">
-            <a:off x="6560841" y="2021183"/>
-            <a:ext cx="185821" cy="941"/>
+            <a:off x="5922250" y="2679152"/>
+            <a:ext cx="218663" cy="942"/>
           </a:xfrm>
           <a:prstGeom prst="bentConnector3">
             <a:avLst>
@@ -3738,61 +2586,18 @@
       </p:cxnSp>
       <p:cxnSp>
         <p:nvCxnSpPr>
-          <p:cNvPr id="183" name="Conector angular 182"/>
-          <p:cNvCxnSpPr>
-            <a:stCxn id="274" idx="2"/>
-            <a:endCxn id="157" idx="0"/>
-          </p:cNvCxnSpPr>
+          <p:cNvPr id="186" name="Conector angular 185"/>
+          <p:cNvCxnSpPr/>
           <p:nvPr/>
         </p:nvCxnSpPr>
         <p:spPr>
-          <a:xfrm rot="5400000">
-            <a:off x="5216498" y="921088"/>
-            <a:ext cx="313978" cy="194701"/>
+          <a:xfrm>
+            <a:off x="4730890" y="1639475"/>
+            <a:ext cx="1322372" cy="149805"/>
           </a:xfrm>
           <a:prstGeom prst="bentConnector3">
             <a:avLst>
-              <a:gd name="adj1" fmla="val 46359"/>
-            </a:avLst>
-          </a:prstGeom>
-          <a:ln w="12700">
-            <a:solidFill>
-              <a:schemeClr val="tx1"/>
-            </a:solidFill>
-          </a:ln>
-        </p:spPr>
-        <p:style>
-          <a:lnRef idx="1">
-            <a:schemeClr val="accent1"/>
-          </a:lnRef>
-          <a:fillRef idx="0">
-            <a:schemeClr val="accent1"/>
-          </a:fillRef>
-          <a:effectRef idx="0">
-            <a:schemeClr val="accent1"/>
-          </a:effectRef>
-          <a:fontRef idx="minor">
-            <a:schemeClr val="tx1"/>
-          </a:fontRef>
-        </p:style>
-      </p:cxnSp>
-      <p:cxnSp>
-        <p:nvCxnSpPr>
-          <p:cNvPr id="186" name="Conector angular 185"/>
-          <p:cNvCxnSpPr>
-            <a:stCxn id="274" idx="2"/>
-            <a:endCxn id="162" idx="0"/>
-          </p:cNvCxnSpPr>
-          <p:nvPr/>
-        </p:nvCxnSpPr>
-        <p:spPr>
-          <a:xfrm rot="16200000" flipH="1">
-            <a:off x="5908630" y="423655"/>
-            <a:ext cx="306856" cy="1182443"/>
-          </a:xfrm>
-          <a:prstGeom prst="bentConnector3">
-            <a:avLst>
-              <a:gd name="adj1" fmla="val 47516"/>
+              <a:gd name="adj1" fmla="val 100508"/>
             </a:avLst>
           </a:prstGeom>
           <a:ln w="12700">
@@ -3819,19 +2624,17 @@
       <p:cxnSp>
         <p:nvCxnSpPr>
           <p:cNvPr id="190" name="Conector angular 189"/>
-          <p:cNvCxnSpPr>
-            <a:stCxn id="127" idx="0"/>
-          </p:cNvCxnSpPr>
+          <p:cNvCxnSpPr/>
           <p:nvPr/>
         </p:nvCxnSpPr>
         <p:spPr>
           <a:xfrm rot="16200000" flipV="1">
-            <a:off x="1745068" y="1274650"/>
-            <a:ext cx="342445" cy="1076839"/>
+            <a:off x="1052226" y="3019310"/>
+            <a:ext cx="630342" cy="794"/>
           </a:xfrm>
           <a:prstGeom prst="bentConnector3">
             <a:avLst>
-              <a:gd name="adj1" fmla="val 53338"/>
+              <a:gd name="adj1" fmla="val 50000"/>
             </a:avLst>
           </a:prstGeom>
           <a:ln w="12700">
@@ -3859,15 +2662,14 @@
         <p:nvCxnSpPr>
           <p:cNvPr id="202" name="Conector angular 201"/>
           <p:cNvCxnSpPr>
-            <a:stCxn id="128" idx="0"/>
             <a:endCxn id="127" idx="2"/>
           </p:cNvCxnSpPr>
           <p:nvPr/>
         </p:nvCxnSpPr>
         <p:spPr>
           <a:xfrm rot="5400000" flipH="1" flipV="1">
-            <a:off x="1678481" y="2214910"/>
-            <a:ext cx="776013" cy="776443"/>
+            <a:off x="887386" y="3652974"/>
+            <a:ext cx="527581" cy="433197"/>
           </a:xfrm>
           <a:prstGeom prst="bentConnector3">
             <a:avLst>
@@ -3898,20 +2700,126 @@
       <p:cxnSp>
         <p:nvCxnSpPr>
           <p:cNvPr id="205" name="Conector angular 204"/>
-          <p:cNvCxnSpPr>
-            <a:stCxn id="127" idx="2"/>
-            <a:endCxn id="129" idx="0"/>
-          </p:cNvCxnSpPr>
+          <p:cNvCxnSpPr/>
           <p:nvPr/>
         </p:nvCxnSpPr>
         <p:spPr>
+          <a:xfrm>
+            <a:off x="1358714" y="3869636"/>
+            <a:ext cx="687491" cy="248141"/>
+          </a:xfrm>
+          <a:prstGeom prst="bentConnector2">
+            <a:avLst/>
+          </a:prstGeom>
+          <a:ln w="12700">
+            <a:solidFill>
+              <a:schemeClr val="tx1"/>
+            </a:solidFill>
+          </a:ln>
+        </p:spPr>
+        <p:style>
+          <a:lnRef idx="1">
+            <a:schemeClr val="accent1"/>
+          </a:lnRef>
+          <a:fillRef idx="0">
+            <a:schemeClr val="accent1"/>
+          </a:fillRef>
+          <a:effectRef idx="0">
+            <a:schemeClr val="accent1"/>
+          </a:effectRef>
+          <a:fontRef idx="minor">
+            <a:schemeClr val="tx1"/>
+          </a:fontRef>
+        </p:style>
+      </p:cxnSp>
+      <p:sp>
+        <p:nvSpPr>
+          <p:cNvPr id="82" name="CuadroTexto 81" descr="Conector entre nodos" title="conector"/>
+          <p:cNvSpPr txBox="1"/>
+          <p:nvPr/>
+        </p:nvSpPr>
+        <p:spPr>
+          <a:xfrm>
+            <a:off x="380598" y="4675303"/>
+            <a:ext cx="1122431" cy="230832"/>
+          </a:xfrm>
+          <a:prstGeom prst="rect">
+            <a:avLst/>
+          </a:prstGeom>
+          <a:noFill/>
+        </p:spPr>
+        <p:txBody>
+          <a:bodyPr wrap="square" rtlCol="0">
+            <a:spAutoFit/>
+          </a:bodyPr>
+          <a:lstStyle/>
+          <a:p>
+            <a:pPr algn="ctr"/>
+            <a:r>
+              <a:rPr lang="es-ES" sz="900" dirty="0" smtClean="0">
+                <a:latin typeface="Arial" panose="020B0604020202020204" pitchFamily="34" charset="0"/>
+                <a:cs typeface="Arial" panose="020B0604020202020204" pitchFamily="34" charset="0"/>
+              </a:rPr>
+              <a:t>usando</a:t>
+            </a:r>
+            <a:endParaRPr lang="es-ES" sz="900" dirty="0">
+              <a:latin typeface="Arial" panose="020B0604020202020204" pitchFamily="34" charset="0"/>
+              <a:cs typeface="Arial" panose="020B0604020202020204" pitchFamily="34" charset="0"/>
+            </a:endParaRPr>
+          </a:p>
+        </p:txBody>
+      </p:sp>
+      <p:sp>
+        <p:nvSpPr>
+          <p:cNvPr id="84" name="CuadroTexto 83" descr="Conector entre nodos" title="conector"/>
+          <p:cNvSpPr txBox="1"/>
+          <p:nvPr/>
+        </p:nvSpPr>
+        <p:spPr>
+          <a:xfrm>
+            <a:off x="1562830" y="4691984"/>
+            <a:ext cx="1122431" cy="230832"/>
+          </a:xfrm>
+          <a:prstGeom prst="rect">
+            <a:avLst/>
+          </a:prstGeom>
+          <a:noFill/>
+        </p:spPr>
+        <p:txBody>
+          <a:bodyPr wrap="square" rtlCol="0">
+            <a:spAutoFit/>
+          </a:bodyPr>
+          <a:lstStyle/>
+          <a:p>
+            <a:pPr algn="ctr"/>
+            <a:r>
+              <a:rPr lang="es-ES" sz="900" dirty="0" smtClean="0">
+                <a:latin typeface="Arial" panose="020B0604020202020204" pitchFamily="34" charset="0"/>
+                <a:cs typeface="Arial" panose="020B0604020202020204" pitchFamily="34" charset="0"/>
+              </a:rPr>
+              <a:t>calculando</a:t>
+            </a:r>
+            <a:endParaRPr lang="es-ES" sz="900" dirty="0">
+              <a:latin typeface="Arial" panose="020B0604020202020204" pitchFamily="34" charset="0"/>
+              <a:cs typeface="Arial" panose="020B0604020202020204" pitchFamily="34" charset="0"/>
+            </a:endParaRPr>
+          </a:p>
+        </p:txBody>
+      </p:sp>
+      <p:cxnSp>
+        <p:nvCxnSpPr>
+          <p:cNvPr id="87" name="Conector angular 86"/>
+          <p:cNvCxnSpPr/>
+          <p:nvPr/>
+        </p:nvCxnSpPr>
+        <p:spPr>
           <a:xfrm rot="16200000" flipH="1">
-            <a:off x="2251107" y="2418725"/>
-            <a:ext cx="760428" cy="353225"/>
+            <a:off x="848456" y="4560836"/>
+            <a:ext cx="154143" cy="1079"/>
           </a:xfrm>
           <a:prstGeom prst="bentConnector3">
             <a:avLst>
-              <a:gd name="adj1" fmla="val 51002"/>
+              <a:gd name="adj1" fmla="val 142967"/>
             </a:avLst>
           </a:prstGeom>
           <a:ln w="12700">
@@ -3937,21 +2845,18 @@
       </p:cxnSp>
       <p:cxnSp>
         <p:nvCxnSpPr>
-          <p:cNvPr id="208" name="Conector angular 207"/>
-          <p:cNvCxnSpPr>
-            <a:stCxn id="152" idx="0"/>
-            <a:endCxn id="128" idx="2"/>
-          </p:cNvCxnSpPr>
+          <p:cNvPr id="88" name="Conector angular 87"/>
+          <p:cNvCxnSpPr/>
           <p:nvPr/>
         </p:nvCxnSpPr>
         <p:spPr>
-          <a:xfrm rot="5400000" flipH="1" flipV="1">
-            <a:off x="1555030" y="3471847"/>
-            <a:ext cx="246473" cy="12700"/>
+          <a:xfrm rot="16200000" flipH="1">
+            <a:off x="1986634" y="4944324"/>
+            <a:ext cx="154143" cy="1079"/>
           </a:xfrm>
           <a:prstGeom prst="bentConnector3">
             <a:avLst>
-              <a:gd name="adj1" fmla="val 102558"/>
+              <a:gd name="adj1" fmla="val 142967"/>
             </a:avLst>
           </a:prstGeom>
           <a:ln w="12700">
@@ -3977,21 +2882,347 @@
       </p:cxnSp>
       <p:cxnSp>
         <p:nvCxnSpPr>
-          <p:cNvPr id="213" name="Conector angular 212"/>
-          <p:cNvCxnSpPr>
-            <a:stCxn id="153" idx="0"/>
-            <a:endCxn id="129" idx="2"/>
-          </p:cNvCxnSpPr>
+          <p:cNvPr id="89" name="Conector angular 88"/>
+          <p:cNvCxnSpPr/>
           <p:nvPr/>
         </p:nvCxnSpPr>
         <p:spPr>
-          <a:xfrm rot="5400000" flipH="1" flipV="1">
-            <a:off x="2674682" y="3466278"/>
-            <a:ext cx="266505" cy="12700"/>
+          <a:xfrm rot="16200000" flipH="1">
+            <a:off x="836405" y="4935395"/>
+            <a:ext cx="154143" cy="1079"/>
           </a:xfrm>
           <a:prstGeom prst="bentConnector3">
             <a:avLst>
-              <a:gd name="adj1" fmla="val 101466"/>
+              <a:gd name="adj1" fmla="val 142967"/>
+            </a:avLst>
+          </a:prstGeom>
+          <a:ln w="12700">
+            <a:solidFill>
+              <a:schemeClr val="tx1"/>
+            </a:solidFill>
+          </a:ln>
+        </p:spPr>
+        <p:style>
+          <a:lnRef idx="1">
+            <a:schemeClr val="accent1"/>
+          </a:lnRef>
+          <a:fillRef idx="0">
+            <a:schemeClr val="accent1"/>
+          </a:fillRef>
+          <a:effectRef idx="0">
+            <a:schemeClr val="accent1"/>
+          </a:effectRef>
+          <a:fontRef idx="minor">
+            <a:schemeClr val="tx1"/>
+          </a:fontRef>
+        </p:style>
+      </p:cxnSp>
+      <p:sp>
+        <p:nvSpPr>
+          <p:cNvPr id="103" name="Rectángulo 102" descr="Nodo de primer nivel" title="Nodo01"/>
+          <p:cNvSpPr/>
+          <p:nvPr/>
+        </p:nvSpPr>
+        <p:spPr>
+          <a:xfrm>
+            <a:off x="7113807" y="2286510"/>
+            <a:ext cx="1196727" cy="405944"/>
+          </a:xfrm>
+          <a:prstGeom prst="rect">
+            <a:avLst/>
+          </a:prstGeom>
+          <a:solidFill>
+            <a:schemeClr val="bg1"/>
+          </a:solidFill>
+          <a:ln>
+            <a:solidFill>
+              <a:schemeClr val="tx1"/>
+            </a:solidFill>
+          </a:ln>
+          <a:effectLst>
+            <a:outerShdw blurRad="50800" dist="38100" dir="2700000" algn="tl" rotWithShape="0">
+              <a:prstClr val="black">
+                <a:alpha val="40000"/>
+              </a:prstClr>
+            </a:outerShdw>
+          </a:effectLst>
+        </p:spPr>
+        <p:style>
+          <a:lnRef idx="2">
+            <a:schemeClr val="accent6"/>
+          </a:lnRef>
+          <a:fillRef idx="1">
+            <a:schemeClr val="lt1"/>
+          </a:fillRef>
+          <a:effectRef idx="0">
+            <a:schemeClr val="accent6"/>
+          </a:effectRef>
+          <a:fontRef idx="minor">
+            <a:schemeClr val="dk1"/>
+          </a:fontRef>
+        </p:style>
+        <p:txBody>
+          <a:bodyPr rtlCol="0" anchor="ctr"/>
+          <a:lstStyle/>
+          <a:p>
+            <a:pPr algn="ctr"/>
+            <a:r>
+              <a:rPr lang="es-ES" sz="1200" b="1" dirty="0" smtClean="0">
+                <a:latin typeface="Arial" panose="020B0604020202020204" pitchFamily="34" charset="0"/>
+                <a:cs typeface="Arial" panose="020B0604020202020204" pitchFamily="34" charset="0"/>
+              </a:rPr>
+              <a:t>Operaciones</a:t>
+            </a:r>
+            <a:endParaRPr lang="es-ES" sz="1200" b="1" dirty="0">
+              <a:latin typeface="Arial" panose="020B0604020202020204" pitchFamily="34" charset="0"/>
+              <a:cs typeface="Arial" panose="020B0604020202020204" pitchFamily="34" charset="0"/>
+            </a:endParaRPr>
+          </a:p>
+        </p:txBody>
+      </p:sp>
+      <p:sp>
+        <p:nvSpPr>
+          <p:cNvPr id="106" name="CuadroTexto 105" descr="Conector entre nodos" title="conector"/>
+          <p:cNvSpPr txBox="1"/>
+          <p:nvPr/>
+        </p:nvSpPr>
+        <p:spPr>
+          <a:xfrm>
+            <a:off x="7030246" y="2916269"/>
+            <a:ext cx="1122431" cy="230832"/>
+          </a:xfrm>
+          <a:prstGeom prst="rect">
+            <a:avLst/>
+          </a:prstGeom>
+          <a:noFill/>
+        </p:spPr>
+        <p:txBody>
+          <a:bodyPr wrap="square" rtlCol="0">
+            <a:spAutoFit/>
+          </a:bodyPr>
+          <a:lstStyle/>
+          <a:p>
+            <a:pPr algn="ctr"/>
+            <a:r>
+              <a:rPr lang="es-ES" sz="900" dirty="0" smtClean="0">
+                <a:latin typeface="Arial" panose="020B0604020202020204" pitchFamily="34" charset="0"/>
+                <a:cs typeface="Arial" panose="020B0604020202020204" pitchFamily="34" charset="0"/>
+              </a:rPr>
+              <a:t>como</a:t>
+            </a:r>
+            <a:endParaRPr lang="es-ES" sz="900" dirty="0">
+              <a:latin typeface="Arial" panose="020B0604020202020204" pitchFamily="34" charset="0"/>
+              <a:cs typeface="Arial" panose="020B0604020202020204" pitchFamily="34" charset="0"/>
+            </a:endParaRPr>
+          </a:p>
+        </p:txBody>
+      </p:sp>
+      <p:sp>
+        <p:nvSpPr>
+          <p:cNvPr id="110" name="Rectángulo 109" descr="Nodo de segundo nivel" title="Nodo02"/>
+          <p:cNvSpPr/>
+          <p:nvPr/>
+        </p:nvSpPr>
+        <p:spPr>
+          <a:xfrm>
+            <a:off x="4040823" y="3993706"/>
+            <a:ext cx="1164090" cy="371002"/>
+          </a:xfrm>
+          <a:prstGeom prst="rect">
+            <a:avLst/>
+          </a:prstGeom>
+          <a:solidFill>
+            <a:schemeClr val="bg2">
+              <a:lumMod val="50000"/>
+            </a:schemeClr>
+          </a:solidFill>
+          <a:ln>
+            <a:solidFill>
+              <a:schemeClr val="tx1"/>
+            </a:solidFill>
+          </a:ln>
+        </p:spPr>
+        <p:style>
+          <a:lnRef idx="2">
+            <a:schemeClr val="accent6"/>
+          </a:lnRef>
+          <a:fillRef idx="1">
+            <a:schemeClr val="lt1"/>
+          </a:fillRef>
+          <a:effectRef idx="0">
+            <a:schemeClr val="accent6"/>
+          </a:effectRef>
+          <a:fontRef idx="minor">
+            <a:schemeClr val="dk1"/>
+          </a:fontRef>
+        </p:style>
+        <p:txBody>
+          <a:bodyPr rtlCol="0" anchor="ctr"/>
+          <a:lstStyle/>
+          <a:p>
+            <a:pPr algn="ctr"/>
+            <a:r>
+              <a:rPr lang="es-ES" sz="1050" dirty="0" smtClean="0">
+                <a:solidFill>
+                  <a:schemeClr val="bg1"/>
+                </a:solidFill>
+                <a:latin typeface="Arial" panose="020B0604020202020204" pitchFamily="34" charset="0"/>
+                <a:cs typeface="Arial" panose="020B0604020202020204" pitchFamily="34" charset="0"/>
+              </a:rPr>
+              <a:t>multiplicaciones</a:t>
+            </a:r>
+            <a:endParaRPr lang="es-ES" sz="1050" dirty="0">
+              <a:solidFill>
+                <a:schemeClr val="bg1"/>
+              </a:solidFill>
+              <a:latin typeface="Arial" panose="020B0604020202020204" pitchFamily="34" charset="0"/>
+              <a:cs typeface="Arial" panose="020B0604020202020204" pitchFamily="34" charset="0"/>
+            </a:endParaRPr>
+          </a:p>
+        </p:txBody>
+      </p:sp>
+      <p:sp>
+        <p:nvSpPr>
+          <p:cNvPr id="111" name="Rectángulo 110" descr="Nodo de segundo nivel" title="Nodo02"/>
+          <p:cNvSpPr/>
+          <p:nvPr/>
+        </p:nvSpPr>
+        <p:spPr>
+          <a:xfrm>
+            <a:off x="5809671" y="3993706"/>
+            <a:ext cx="1164090" cy="371002"/>
+          </a:xfrm>
+          <a:prstGeom prst="rect">
+            <a:avLst/>
+          </a:prstGeom>
+          <a:solidFill>
+            <a:schemeClr val="bg2">
+              <a:lumMod val="50000"/>
+            </a:schemeClr>
+          </a:solidFill>
+          <a:ln>
+            <a:solidFill>
+              <a:schemeClr val="tx1"/>
+            </a:solidFill>
+          </a:ln>
+        </p:spPr>
+        <p:style>
+          <a:lnRef idx="2">
+            <a:schemeClr val="accent6"/>
+          </a:lnRef>
+          <a:fillRef idx="1">
+            <a:schemeClr val="lt1"/>
+          </a:fillRef>
+          <a:effectRef idx="0">
+            <a:schemeClr val="accent6"/>
+          </a:effectRef>
+          <a:fontRef idx="minor">
+            <a:schemeClr val="dk1"/>
+          </a:fontRef>
+        </p:style>
+        <p:txBody>
+          <a:bodyPr rtlCol="0" anchor="ctr"/>
+          <a:lstStyle/>
+          <a:p>
+            <a:pPr algn="ctr"/>
+            <a:r>
+              <a:rPr lang="es-ES" sz="1050" dirty="0" smtClean="0">
+                <a:solidFill>
+                  <a:schemeClr val="bg1"/>
+                </a:solidFill>
+                <a:latin typeface="Arial" panose="020B0604020202020204" pitchFamily="34" charset="0"/>
+                <a:cs typeface="Arial" panose="020B0604020202020204" pitchFamily="34" charset="0"/>
+              </a:rPr>
+              <a:t>adiciones y sustracciones</a:t>
+            </a:r>
+            <a:endParaRPr lang="es-ES" sz="1050" dirty="0">
+              <a:solidFill>
+                <a:schemeClr val="bg1"/>
+              </a:solidFill>
+              <a:latin typeface="Arial" panose="020B0604020202020204" pitchFamily="34" charset="0"/>
+              <a:cs typeface="Arial" panose="020B0604020202020204" pitchFamily="34" charset="0"/>
+            </a:endParaRPr>
+          </a:p>
+        </p:txBody>
+      </p:sp>
+      <p:sp>
+        <p:nvSpPr>
+          <p:cNvPr id="112" name="Rectángulo 111" descr="Nodo de segundo nivel" title="Nodo02"/>
+          <p:cNvSpPr/>
+          <p:nvPr/>
+        </p:nvSpPr>
+        <p:spPr>
+          <a:xfrm>
+            <a:off x="7631516" y="3976786"/>
+            <a:ext cx="798551" cy="371002"/>
+          </a:xfrm>
+          <a:prstGeom prst="rect">
+            <a:avLst/>
+          </a:prstGeom>
+          <a:solidFill>
+            <a:schemeClr val="bg2">
+              <a:lumMod val="50000"/>
+            </a:schemeClr>
+          </a:solidFill>
+          <a:ln>
+            <a:solidFill>
+              <a:schemeClr val="tx1"/>
+            </a:solidFill>
+          </a:ln>
+        </p:spPr>
+        <p:style>
+          <a:lnRef idx="2">
+            <a:schemeClr val="accent6"/>
+          </a:lnRef>
+          <a:fillRef idx="1">
+            <a:schemeClr val="lt1"/>
+          </a:fillRef>
+          <a:effectRef idx="0">
+            <a:schemeClr val="accent6"/>
+          </a:effectRef>
+          <a:fontRef idx="minor">
+            <a:schemeClr val="dk1"/>
+          </a:fontRef>
+        </p:style>
+        <p:txBody>
+          <a:bodyPr rtlCol="0" anchor="ctr"/>
+          <a:lstStyle/>
+          <a:p>
+            <a:pPr algn="ctr"/>
+            <a:r>
+              <a:rPr lang="es-ES" sz="1050" dirty="0" smtClean="0">
+                <a:solidFill>
+                  <a:schemeClr val="bg1"/>
+                </a:solidFill>
+                <a:latin typeface="Arial" panose="020B0604020202020204" pitchFamily="34" charset="0"/>
+                <a:cs typeface="Arial" panose="020B0604020202020204" pitchFamily="34" charset="0"/>
+              </a:rPr>
+              <a:t>divisiones </a:t>
+            </a:r>
+            <a:endParaRPr lang="es-ES" sz="1050" dirty="0">
+              <a:solidFill>
+                <a:schemeClr val="bg1"/>
+              </a:solidFill>
+              <a:latin typeface="Arial" panose="020B0604020202020204" pitchFamily="34" charset="0"/>
+              <a:cs typeface="Arial" panose="020B0604020202020204" pitchFamily="34" charset="0"/>
+            </a:endParaRPr>
+          </a:p>
+        </p:txBody>
+      </p:sp>
+      <p:cxnSp>
+        <p:nvCxnSpPr>
+          <p:cNvPr id="119" name="Conector angular 118"/>
+          <p:cNvCxnSpPr/>
+          <p:nvPr/>
+        </p:nvCxnSpPr>
+        <p:spPr>
+          <a:xfrm rot="5400000">
+            <a:off x="7510715" y="2812196"/>
+            <a:ext cx="215784" cy="1"/>
+          </a:xfrm>
+          <a:prstGeom prst="bentConnector3">
+            <a:avLst>
+              <a:gd name="adj1" fmla="val 50000"/>
             </a:avLst>
           </a:prstGeom>
           <a:ln w="12700">
@@ -4017,21 +3248,18 @@
       </p:cxnSp>
       <p:cxnSp>
         <p:nvCxnSpPr>
-          <p:cNvPr id="247" name="Conector angular 246"/>
-          <p:cNvCxnSpPr>
-            <a:stCxn id="361" idx="3"/>
-            <a:endCxn id="136" idx="3"/>
-          </p:cNvCxnSpPr>
+          <p:cNvPr id="121" name="Conector angular 120"/>
+          <p:cNvCxnSpPr/>
           <p:nvPr/>
         </p:nvCxnSpPr>
         <p:spPr>
-          <a:xfrm>
-            <a:off x="8568211" y="791306"/>
-            <a:ext cx="186695" cy="3020055"/>
+          <a:xfrm rot="5400000">
+            <a:off x="7519118" y="2158495"/>
+            <a:ext cx="215784" cy="1"/>
           </a:xfrm>
           <a:prstGeom prst="bentConnector3">
             <a:avLst>
-              <a:gd name="adj1" fmla="val 222446"/>
+              <a:gd name="adj1" fmla="val 50000"/>
             </a:avLst>
           </a:prstGeom>
           <a:ln w="12700">
@@ -4057,21 +3285,645 @@
       </p:cxnSp>
       <p:cxnSp>
         <p:nvCxnSpPr>
-          <p:cNvPr id="250" name="Conector angular 249"/>
+          <p:cNvPr id="122" name="Conector angular 121"/>
+          <p:cNvCxnSpPr/>
+          <p:nvPr/>
+        </p:nvCxnSpPr>
+        <p:spPr>
+          <a:xfrm>
+            <a:off x="4621927" y="3859437"/>
+            <a:ext cx="3408865" cy="101865"/>
+          </a:xfrm>
+          <a:prstGeom prst="bentConnector2">
+            <a:avLst/>
+          </a:prstGeom>
+          <a:ln w="12700">
+            <a:solidFill>
+              <a:schemeClr val="tx1"/>
+            </a:solidFill>
+          </a:ln>
+        </p:spPr>
+        <p:style>
+          <a:lnRef idx="1">
+            <a:schemeClr val="accent1"/>
+          </a:lnRef>
+          <a:fillRef idx="0">
+            <a:schemeClr val="accent1"/>
+          </a:fillRef>
+          <a:effectRef idx="0">
+            <a:schemeClr val="accent1"/>
+          </a:effectRef>
+          <a:fontRef idx="minor">
+            <a:schemeClr val="tx1"/>
+          </a:fontRef>
+        </p:style>
+      </p:cxnSp>
+      <p:cxnSp>
+        <p:nvCxnSpPr>
+          <p:cNvPr id="126" name="Conector angular 125"/>
+          <p:cNvCxnSpPr/>
+          <p:nvPr/>
+        </p:nvCxnSpPr>
+        <p:spPr>
+          <a:xfrm rot="16200000" flipH="1">
+            <a:off x="4560567" y="3912825"/>
+            <a:ext cx="123662" cy="941"/>
+          </a:xfrm>
+          <a:prstGeom prst="bentConnector3">
+            <a:avLst>
+              <a:gd name="adj1" fmla="val 50000"/>
+            </a:avLst>
+          </a:prstGeom>
+          <a:ln w="12700">
+            <a:solidFill>
+              <a:schemeClr val="tx1"/>
+            </a:solidFill>
+          </a:ln>
+        </p:spPr>
+        <p:style>
+          <a:lnRef idx="1">
+            <a:schemeClr val="accent1"/>
+          </a:lnRef>
+          <a:fillRef idx="0">
+            <a:schemeClr val="accent1"/>
+          </a:fillRef>
+          <a:effectRef idx="0">
+            <a:schemeClr val="accent1"/>
+          </a:effectRef>
+          <a:fontRef idx="minor">
+            <a:schemeClr val="tx1"/>
+          </a:fontRef>
+        </p:style>
+      </p:cxnSp>
+      <p:cxnSp>
+        <p:nvCxnSpPr>
+          <p:cNvPr id="133" name="Conector angular 132"/>
+          <p:cNvCxnSpPr/>
+          <p:nvPr/>
+        </p:nvCxnSpPr>
+        <p:spPr>
+          <a:xfrm rot="16200000" flipV="1">
+            <a:off x="7275187" y="3510684"/>
+            <a:ext cx="704443" cy="794"/>
+          </a:xfrm>
+          <a:prstGeom prst="bentConnector3">
+            <a:avLst>
+              <a:gd name="adj1" fmla="val 50000"/>
+            </a:avLst>
+          </a:prstGeom>
+          <a:ln w="12700">
+            <a:solidFill>
+              <a:schemeClr val="tx1"/>
+            </a:solidFill>
+          </a:ln>
+        </p:spPr>
+        <p:style>
+          <a:lnRef idx="1">
+            <a:schemeClr val="accent1"/>
+          </a:lnRef>
+          <a:fillRef idx="0">
+            <a:schemeClr val="accent1"/>
+          </a:fillRef>
+          <a:effectRef idx="0">
+            <a:schemeClr val="accent1"/>
+          </a:effectRef>
+          <a:fontRef idx="minor">
+            <a:schemeClr val="tx1"/>
+          </a:fontRef>
+        </p:style>
+      </p:cxnSp>
+      <p:sp>
+        <p:nvSpPr>
+          <p:cNvPr id="134" name="Rectángulo 133" descr="Nodo de segundo nivel" title="Nodo02"/>
+          <p:cNvSpPr/>
+          <p:nvPr/>
+        </p:nvSpPr>
+        <p:spPr>
+          <a:xfrm>
+            <a:off x="5651673" y="5032115"/>
+            <a:ext cx="1476332" cy="1072689"/>
+          </a:xfrm>
+          <a:prstGeom prst="rect">
+            <a:avLst/>
+          </a:prstGeom>
+          <a:solidFill>
+            <a:schemeClr val="bg2">
+              <a:lumMod val="90000"/>
+            </a:schemeClr>
+          </a:solidFill>
+          <a:ln>
+            <a:solidFill>
+              <a:schemeClr val="tx1"/>
+            </a:solidFill>
+          </a:ln>
+        </p:spPr>
+        <p:style>
+          <a:lnRef idx="2">
+            <a:schemeClr val="accent6"/>
+          </a:lnRef>
+          <a:fillRef idx="1">
+            <a:schemeClr val="lt1"/>
+          </a:fillRef>
+          <a:effectRef idx="0">
+            <a:schemeClr val="accent6"/>
+          </a:effectRef>
+          <a:fontRef idx="minor">
+            <a:schemeClr val="dk1"/>
+          </a:fontRef>
+        </p:style>
+        <p:txBody>
+          <a:bodyPr rtlCol="0" anchor="ctr"/>
+          <a:lstStyle/>
+          <a:p>
+            <a:pPr algn="ctr"/>
+            <a:r>
+              <a:rPr lang="es-ES" sz="900" dirty="0" smtClean="0">
+                <a:solidFill>
+                  <a:schemeClr val="tx1"/>
+                </a:solidFill>
+                <a:latin typeface="Arial" panose="020B0604020202020204" pitchFamily="34" charset="0"/>
+                <a:cs typeface="Arial" panose="020B0604020202020204" pitchFamily="34" charset="0"/>
+              </a:rPr>
+              <a:t>reduciendo las expresiones algebraicas a su común denominador para adicionar y/o sustraer las fracciones homogéneas que se obtienen</a:t>
+            </a:r>
+            <a:endParaRPr lang="es-ES" sz="900" dirty="0">
+              <a:solidFill>
+                <a:schemeClr val="tx1"/>
+              </a:solidFill>
+              <a:latin typeface="Arial" panose="020B0604020202020204" pitchFamily="34" charset="0"/>
+              <a:cs typeface="Arial" panose="020B0604020202020204" pitchFamily="34" charset="0"/>
+            </a:endParaRPr>
+          </a:p>
+        </p:txBody>
+      </p:sp>
+      <p:sp>
+        <p:nvSpPr>
+          <p:cNvPr id="135" name="CuadroTexto 134" descr="Conector entre nodos" title="conector"/>
+          <p:cNvSpPr txBox="1"/>
+          <p:nvPr/>
+        </p:nvSpPr>
+        <p:spPr>
+          <a:xfrm>
+            <a:off x="5826405" y="4527246"/>
+            <a:ext cx="1122431" cy="230832"/>
+          </a:xfrm>
+          <a:prstGeom prst="rect">
+            <a:avLst/>
+          </a:prstGeom>
+          <a:noFill/>
+        </p:spPr>
+        <p:txBody>
+          <a:bodyPr wrap="square" rtlCol="0">
+            <a:spAutoFit/>
+          </a:bodyPr>
+          <a:lstStyle/>
+          <a:p>
+            <a:pPr algn="ctr"/>
+            <a:r>
+              <a:rPr lang="es-ES" sz="900" dirty="0" smtClean="0">
+                <a:latin typeface="Arial" panose="020B0604020202020204" pitchFamily="34" charset="0"/>
+                <a:cs typeface="Arial" panose="020B0604020202020204" pitchFamily="34" charset="0"/>
+              </a:rPr>
+              <a:t>se resuelven</a:t>
+            </a:r>
+            <a:endParaRPr lang="es-ES" sz="900" dirty="0">
+              <a:latin typeface="Arial" panose="020B0604020202020204" pitchFamily="34" charset="0"/>
+              <a:cs typeface="Arial" panose="020B0604020202020204" pitchFamily="34" charset="0"/>
+            </a:endParaRPr>
+          </a:p>
+        </p:txBody>
+      </p:sp>
+      <p:sp>
+        <p:nvSpPr>
+          <p:cNvPr id="137" name="Rectángulo 136" descr="Nodo de segundo nivel" title="Nodo02"/>
+          <p:cNvSpPr/>
+          <p:nvPr/>
+        </p:nvSpPr>
+        <p:spPr>
+          <a:xfrm>
+            <a:off x="7396632" y="5030549"/>
+            <a:ext cx="1473614" cy="1061121"/>
+          </a:xfrm>
+          <a:prstGeom prst="rect">
+            <a:avLst/>
+          </a:prstGeom>
+          <a:solidFill>
+            <a:schemeClr val="bg2">
+              <a:lumMod val="90000"/>
+            </a:schemeClr>
+          </a:solidFill>
+          <a:ln>
+            <a:solidFill>
+              <a:schemeClr val="tx1"/>
+            </a:solidFill>
+          </a:ln>
+        </p:spPr>
+        <p:style>
+          <a:lnRef idx="2">
+            <a:schemeClr val="accent6"/>
+          </a:lnRef>
+          <a:fillRef idx="1">
+            <a:schemeClr val="lt1"/>
+          </a:fillRef>
+          <a:effectRef idx="0">
+            <a:schemeClr val="accent6"/>
+          </a:effectRef>
+          <a:fontRef idx="minor">
+            <a:schemeClr val="dk1"/>
+          </a:fontRef>
+        </p:style>
+        <p:txBody>
+          <a:bodyPr rtlCol="0" anchor="ctr"/>
+          <a:lstStyle/>
+          <a:p>
+            <a:pPr algn="ctr"/>
+            <a:r>
+              <a:rPr lang="es-ES" sz="900" dirty="0" smtClean="0">
+                <a:solidFill>
+                  <a:schemeClr val="tx1"/>
+                </a:solidFill>
+                <a:latin typeface="Arial" panose="020B0604020202020204" pitchFamily="34" charset="0"/>
+                <a:cs typeface="Arial" panose="020B0604020202020204" pitchFamily="34" charset="0"/>
+              </a:rPr>
+              <a:t>multiplicando la expresión algebraica del dividendo por la expresión algebraica recíproca del </a:t>
+            </a:r>
+            <a:r>
+              <a:rPr lang="es-ES" sz="900" dirty="0" smtClean="0">
+                <a:solidFill>
+                  <a:schemeClr val="tx1"/>
+                </a:solidFill>
+                <a:latin typeface="Arial" panose="020B0604020202020204" pitchFamily="34" charset="0"/>
+                <a:cs typeface="Arial" panose="020B0604020202020204" pitchFamily="34" charset="0"/>
+              </a:rPr>
+              <a:t>divisor</a:t>
+            </a:r>
+            <a:endParaRPr lang="es-ES" sz="900" dirty="0">
+              <a:solidFill>
+                <a:schemeClr val="tx1"/>
+              </a:solidFill>
+              <a:latin typeface="Arial" panose="020B0604020202020204" pitchFamily="34" charset="0"/>
+              <a:cs typeface="Arial" panose="020B0604020202020204" pitchFamily="34" charset="0"/>
+            </a:endParaRPr>
+          </a:p>
+        </p:txBody>
+      </p:sp>
+      <p:sp>
+        <p:nvSpPr>
+          <p:cNvPr id="142" name="CuadroTexto 141" descr="Conector entre nodos" title="conector"/>
+          <p:cNvSpPr txBox="1"/>
+          <p:nvPr/>
+        </p:nvSpPr>
+        <p:spPr>
+          <a:xfrm>
+            <a:off x="7469575" y="4575639"/>
+            <a:ext cx="1122431" cy="230832"/>
+          </a:xfrm>
+          <a:prstGeom prst="rect">
+            <a:avLst/>
+          </a:prstGeom>
+          <a:noFill/>
+        </p:spPr>
+        <p:txBody>
+          <a:bodyPr wrap="square" rtlCol="0">
+            <a:spAutoFit/>
+          </a:bodyPr>
+          <a:lstStyle/>
+          <a:p>
+            <a:pPr algn="ctr"/>
+            <a:r>
+              <a:rPr lang="es-ES" sz="900" dirty="0" smtClean="0">
+                <a:latin typeface="Arial" panose="020B0604020202020204" pitchFamily="34" charset="0"/>
+                <a:cs typeface="Arial" panose="020B0604020202020204" pitchFamily="34" charset="0"/>
+              </a:rPr>
+              <a:t>se resuelven</a:t>
+            </a:r>
+            <a:endParaRPr lang="es-ES" sz="900" dirty="0">
+              <a:latin typeface="Arial" panose="020B0604020202020204" pitchFamily="34" charset="0"/>
+              <a:cs typeface="Arial" panose="020B0604020202020204" pitchFamily="34" charset="0"/>
+            </a:endParaRPr>
+          </a:p>
+        </p:txBody>
+      </p:sp>
+      <p:cxnSp>
+        <p:nvCxnSpPr>
+          <p:cNvPr id="143" name="Conector angular 142"/>
+          <p:cNvCxnSpPr/>
+          <p:nvPr/>
+        </p:nvCxnSpPr>
+        <p:spPr>
+          <a:xfrm rot="16200000" flipH="1">
+            <a:off x="4519933" y="4447578"/>
+            <a:ext cx="154143" cy="1079"/>
+          </a:xfrm>
+          <a:prstGeom prst="bentConnector3">
+            <a:avLst>
+              <a:gd name="adj1" fmla="val 142967"/>
+            </a:avLst>
+          </a:prstGeom>
+          <a:ln w="12700">
+            <a:solidFill>
+              <a:schemeClr val="tx1"/>
+            </a:solidFill>
+          </a:ln>
+        </p:spPr>
+        <p:style>
+          <a:lnRef idx="1">
+            <a:schemeClr val="accent1"/>
+          </a:lnRef>
+          <a:fillRef idx="0">
+            <a:schemeClr val="accent1"/>
+          </a:fillRef>
+          <a:effectRef idx="0">
+            <a:schemeClr val="accent1"/>
+          </a:effectRef>
+          <a:fontRef idx="minor">
+            <a:schemeClr val="tx1"/>
+          </a:fontRef>
+        </p:style>
+      </p:cxnSp>
+      <p:cxnSp>
+        <p:nvCxnSpPr>
+          <p:cNvPr id="144" name="Conector angular 143"/>
           <p:cNvCxnSpPr>
-            <a:endCxn id="145" idx="3"/>
+            <a:stCxn id="111" idx="2"/>
+            <a:endCxn id="135" idx="0"/>
           </p:cNvCxnSpPr>
           <p:nvPr/>
         </p:nvCxnSpPr>
         <p:spPr>
+          <a:xfrm rot="5400000">
+            <a:off x="6308400" y="4443930"/>
+            <a:ext cx="162538" cy="4095"/>
+          </a:xfrm>
+          <a:prstGeom prst="bentConnector3">
+            <a:avLst>
+              <a:gd name="adj1" fmla="val 50000"/>
+            </a:avLst>
+          </a:prstGeom>
+          <a:ln w="12700">
+            <a:solidFill>
+              <a:schemeClr val="tx1"/>
+            </a:solidFill>
+          </a:ln>
+        </p:spPr>
+        <p:style>
+          <a:lnRef idx="1">
+            <a:schemeClr val="accent1"/>
+          </a:lnRef>
+          <a:fillRef idx="0">
+            <a:schemeClr val="accent1"/>
+          </a:fillRef>
+          <a:effectRef idx="0">
+            <a:schemeClr val="accent1"/>
+          </a:effectRef>
+          <a:fontRef idx="minor">
+            <a:schemeClr val="tx1"/>
+          </a:fontRef>
+        </p:style>
+      </p:cxnSp>
+      <p:cxnSp>
+        <p:nvCxnSpPr>
+          <p:cNvPr id="151" name="Conector angular 150"/>
+          <p:cNvCxnSpPr/>
+          <p:nvPr/>
+        </p:nvCxnSpPr>
+        <p:spPr>
           <a:xfrm rot="16200000" flipH="1">
-            <a:off x="6752039" y="2542437"/>
-            <a:ext cx="3753998" cy="251736"/>
-          </a:xfrm>
-          <a:prstGeom prst="bentConnector4">
+            <a:off x="7954258" y="4406338"/>
+            <a:ext cx="154143" cy="1079"/>
+          </a:xfrm>
+          <a:prstGeom prst="bentConnector3">
             <a:avLst>
-              <a:gd name="adj1" fmla="val -53"/>
-              <a:gd name="adj2" fmla="val 190809"/>
+              <a:gd name="adj1" fmla="val 142967"/>
+            </a:avLst>
+          </a:prstGeom>
+          <a:ln w="12700">
+            <a:solidFill>
+              <a:schemeClr val="tx1"/>
+            </a:solidFill>
+          </a:ln>
+        </p:spPr>
+        <p:style>
+          <a:lnRef idx="1">
+            <a:schemeClr val="accent1"/>
+          </a:lnRef>
+          <a:fillRef idx="0">
+            <a:schemeClr val="accent1"/>
+          </a:fillRef>
+          <a:effectRef idx="0">
+            <a:schemeClr val="accent1"/>
+          </a:effectRef>
+          <a:fontRef idx="minor">
+            <a:schemeClr val="tx1"/>
+          </a:fontRef>
+        </p:style>
+      </p:cxnSp>
+      <p:cxnSp>
+        <p:nvCxnSpPr>
+          <p:cNvPr id="156" name="Conector angular 155"/>
+          <p:cNvCxnSpPr/>
+          <p:nvPr/>
+        </p:nvCxnSpPr>
+        <p:spPr>
+          <a:xfrm rot="16200000" flipH="1">
+            <a:off x="4518854" y="4871234"/>
+            <a:ext cx="154143" cy="1079"/>
+          </a:xfrm>
+          <a:prstGeom prst="bentConnector3">
+            <a:avLst>
+              <a:gd name="adj1" fmla="val 142967"/>
+            </a:avLst>
+          </a:prstGeom>
+          <a:ln w="12700">
+            <a:solidFill>
+              <a:schemeClr val="tx1"/>
+            </a:solidFill>
+          </a:ln>
+        </p:spPr>
+        <p:style>
+          <a:lnRef idx="1">
+            <a:schemeClr val="accent1"/>
+          </a:lnRef>
+          <a:fillRef idx="0">
+            <a:schemeClr val="accent1"/>
+          </a:fillRef>
+          <a:effectRef idx="0">
+            <a:schemeClr val="accent1"/>
+          </a:effectRef>
+          <a:fontRef idx="minor">
+            <a:schemeClr val="tx1"/>
+          </a:fontRef>
+        </p:style>
+      </p:cxnSp>
+      <p:cxnSp>
+        <p:nvCxnSpPr>
+          <p:cNvPr id="167" name="Conector angular 166"/>
+          <p:cNvCxnSpPr>
+            <a:stCxn id="135" idx="2"/>
+            <a:endCxn id="134" idx="0"/>
+          </p:cNvCxnSpPr>
+          <p:nvPr/>
+        </p:nvCxnSpPr>
+        <p:spPr>
+          <a:xfrm rot="16200000" flipH="1">
+            <a:off x="6251712" y="4893987"/>
+            <a:ext cx="274037" cy="2218"/>
+          </a:xfrm>
+          <a:prstGeom prst="bentConnector3">
+            <a:avLst>
+              <a:gd name="adj1" fmla="val 50000"/>
+            </a:avLst>
+          </a:prstGeom>
+          <a:ln w="12700">
+            <a:solidFill>
+              <a:schemeClr val="tx1"/>
+            </a:solidFill>
+          </a:ln>
+        </p:spPr>
+        <p:style>
+          <a:lnRef idx="1">
+            <a:schemeClr val="accent1"/>
+          </a:lnRef>
+          <a:fillRef idx="0">
+            <a:schemeClr val="accent1"/>
+          </a:fillRef>
+          <a:effectRef idx="0">
+            <a:schemeClr val="accent1"/>
+          </a:effectRef>
+          <a:fontRef idx="minor">
+            <a:schemeClr val="tx1"/>
+          </a:fontRef>
+        </p:style>
+      </p:cxnSp>
+      <p:cxnSp>
+        <p:nvCxnSpPr>
+          <p:cNvPr id="168" name="Conector angular 167"/>
+          <p:cNvCxnSpPr/>
+          <p:nvPr/>
+        </p:nvCxnSpPr>
+        <p:spPr>
+          <a:xfrm rot="16200000" flipH="1">
+            <a:off x="7953179" y="4871925"/>
+            <a:ext cx="154143" cy="1079"/>
+          </a:xfrm>
+          <a:prstGeom prst="bentConnector3">
+            <a:avLst>
+              <a:gd name="adj1" fmla="val 142967"/>
+            </a:avLst>
+          </a:prstGeom>
+          <a:ln w="12700">
+            <a:solidFill>
+              <a:schemeClr val="tx1"/>
+            </a:solidFill>
+          </a:ln>
+        </p:spPr>
+        <p:style>
+          <a:lnRef idx="1">
+            <a:schemeClr val="accent1"/>
+          </a:lnRef>
+          <a:fillRef idx="0">
+            <a:schemeClr val="accent1"/>
+          </a:fillRef>
+          <a:effectRef idx="0">
+            <a:schemeClr val="accent1"/>
+          </a:effectRef>
+          <a:fontRef idx="minor">
+            <a:schemeClr val="tx1"/>
+          </a:fontRef>
+        </p:style>
+      </p:cxnSp>
+      <p:cxnSp>
+        <p:nvCxnSpPr>
+          <p:cNvPr id="169" name="Conector angular 168"/>
+          <p:cNvCxnSpPr/>
+          <p:nvPr/>
+        </p:nvCxnSpPr>
+        <p:spPr>
+          <a:xfrm rot="5400000">
+            <a:off x="4651759" y="1031912"/>
+            <a:ext cx="215784" cy="1"/>
+          </a:xfrm>
+          <a:prstGeom prst="bentConnector3">
+            <a:avLst>
+              <a:gd name="adj1" fmla="val 50000"/>
+            </a:avLst>
+          </a:prstGeom>
+          <a:ln w="12700">
+            <a:solidFill>
+              <a:schemeClr val="tx1"/>
+            </a:solidFill>
+          </a:ln>
+        </p:spPr>
+        <p:style>
+          <a:lnRef idx="1">
+            <a:schemeClr val="accent1"/>
+          </a:lnRef>
+          <a:fillRef idx="0">
+            <a:schemeClr val="accent1"/>
+          </a:fillRef>
+          <a:effectRef idx="0">
+            <a:schemeClr val="accent1"/>
+          </a:effectRef>
+          <a:fontRef idx="minor">
+            <a:schemeClr val="tx1"/>
+          </a:fontRef>
+        </p:style>
+      </p:cxnSp>
+      <p:cxnSp>
+        <p:nvCxnSpPr>
+          <p:cNvPr id="69" name="Conector angular 68"/>
+          <p:cNvCxnSpPr>
+            <a:endCxn id="111" idx="0"/>
+          </p:cNvCxnSpPr>
+          <p:nvPr/>
+        </p:nvCxnSpPr>
+        <p:spPr>
+          <a:xfrm rot="16200000" flipH="1">
+            <a:off x="6322535" y="3924524"/>
+            <a:ext cx="134267" cy="4096"/>
+          </a:xfrm>
+          <a:prstGeom prst="bentConnector3">
+            <a:avLst>
+              <a:gd name="adj1" fmla="val 50000"/>
+            </a:avLst>
+          </a:prstGeom>
+          <a:ln w="12700">
+            <a:solidFill>
+              <a:schemeClr val="tx1"/>
+            </a:solidFill>
+          </a:ln>
+        </p:spPr>
+        <p:style>
+          <a:lnRef idx="1">
+            <a:schemeClr val="accent1"/>
+          </a:lnRef>
+          <a:fillRef idx="0">
+            <a:schemeClr val="accent1"/>
+          </a:fillRef>
+          <a:effectRef idx="0">
+            <a:schemeClr val="accent1"/>
+          </a:effectRef>
+          <a:fontRef idx="minor">
+            <a:schemeClr val="tx1"/>
+          </a:fontRef>
+        </p:style>
+      </p:cxnSp>
+      <p:cxnSp>
+        <p:nvCxnSpPr>
+          <p:cNvPr id="73" name="Conector angular 72"/>
+          <p:cNvCxnSpPr>
+            <a:endCxn id="218" idx="0"/>
+          </p:cNvCxnSpPr>
+          <p:nvPr/>
+        </p:nvCxnSpPr>
+        <p:spPr>
+          <a:xfrm rot="16200000" flipH="1">
+            <a:off x="3156446" y="2315513"/>
+            <a:ext cx="154143" cy="1079"/>
+          </a:xfrm>
+          <a:prstGeom prst="bentConnector3">
+            <a:avLst>
+              <a:gd name="adj1" fmla="val 50000"/>
             </a:avLst>
           </a:prstGeom>
           <a:ln w="12700">

--- a/fuentes/contenidos/grado08/guion05/MA_08_05_CO_REC330.pptx
+++ b/fuentes/contenidos/grado08/guion05/MA_08_05_CO_REC330.pptx
@@ -1551,7 +1551,7 @@
         </p:nvCxnSpPr>
         <p:spPr>
           <a:xfrm rot="5400000">
-            <a:off x="3773589" y="851426"/>
+            <a:off x="3778452" y="853212"/>
             <a:ext cx="330040" cy="1615690"/>
           </a:xfrm>
           <a:prstGeom prst="bentConnector3">
@@ -1588,7 +1588,7 @@
         </p:nvCxnSpPr>
         <p:spPr>
           <a:xfrm>
-            <a:off x="4750177" y="911632"/>
+            <a:off x="4759650" y="918037"/>
             <a:ext cx="2824707" cy="785014"/>
           </a:xfrm>
           <a:prstGeom prst="bentConnector3">
@@ -2592,7 +2592,7 @@
         </p:nvCxnSpPr>
         <p:spPr>
           <a:xfrm>
-            <a:off x="4730890" y="1639475"/>
+            <a:off x="4747950" y="1647316"/>
             <a:ext cx="1322372" cy="149805"/>
           </a:xfrm>
           <a:prstGeom prst="bentConnector3">
@@ -3545,17 +3545,7 @@
                 <a:latin typeface="Arial" panose="020B0604020202020204" pitchFamily="34" charset="0"/>
                 <a:cs typeface="Arial" panose="020B0604020202020204" pitchFamily="34" charset="0"/>
               </a:rPr>
-              <a:t>multiplicando la expresión algebraica del dividendo por la expresión algebraica recíproca del </a:t>
-            </a:r>
-            <a:r>
-              <a:rPr lang="es-ES" sz="900" dirty="0" smtClean="0">
-                <a:solidFill>
-                  <a:schemeClr val="tx1"/>
-                </a:solidFill>
-                <a:latin typeface="Arial" panose="020B0604020202020204" pitchFamily="34" charset="0"/>
-                <a:cs typeface="Arial" panose="020B0604020202020204" pitchFamily="34" charset="0"/>
-              </a:rPr>
-              <a:t>divisor</a:t>
+              <a:t>multiplicando la expresión algebraica del dividendo por la expresión algebraica recíproca del divisor</a:t>
             </a:r>
             <a:endParaRPr lang="es-ES" sz="900" dirty="0">
               <a:solidFill>
